--- a/project/ML Poster.pptx
+++ b/project/ML Poster.pptx
@@ -3743,27 +3743,84 @@
           </a:p>
           <a:p>
             <a:pPr eaLnBrk="1" hangingPunct="1"/>
-            <a:endParaRPr lang="en-US" sz="2800" dirty="0">
-              <a:latin typeface="Calibri" pitchFamily="34" charset="0"/>
-            </a:endParaRPr>
-          </a:p>
-          <a:p>
-            <a:pPr eaLnBrk="1" hangingPunct="1"/>
-            <a:endParaRPr lang="en-US" sz="2800" dirty="0" smtClean="0">
-              <a:latin typeface="Calibri" pitchFamily="34" charset="0"/>
-            </a:endParaRPr>
-          </a:p>
-          <a:p>
-            <a:pPr eaLnBrk="1" hangingPunct="1"/>
-            <a:endParaRPr lang="en-US" sz="2800" dirty="0">
-              <a:latin typeface="Calibri" pitchFamily="34" charset="0"/>
-            </a:endParaRPr>
-          </a:p>
-          <a:p>
-            <a:pPr eaLnBrk="1" hangingPunct="1"/>
-            <a:endParaRPr lang="en-US" sz="2800" dirty="0" smtClean="0">
-              <a:latin typeface="Calibri" pitchFamily="34" charset="0"/>
-            </a:endParaRPr>
+            <a:r>
+              <a:rPr lang="en-US" sz="2800" dirty="0">
+                <a:latin typeface="Calibri" pitchFamily="34" charset="0"/>
+              </a:rPr>
+              <a:t>Figure </a:t>
+            </a:r>
+            <a:r>
+              <a:rPr lang="en-US" sz="2800" dirty="0" smtClean="0">
+                <a:latin typeface="Calibri" pitchFamily="34" charset="0"/>
+              </a:rPr>
+              <a:t>2. </a:t>
+            </a:r>
+            <a:r>
+              <a:rPr lang="en-US" sz="2800" dirty="0">
+                <a:latin typeface="Calibri" pitchFamily="34" charset="0"/>
+              </a:rPr>
+              <a:t>and Table </a:t>
+            </a:r>
+            <a:r>
+              <a:rPr lang="en-US" sz="2800" dirty="0" smtClean="0">
+                <a:latin typeface="Calibri" pitchFamily="34" charset="0"/>
+              </a:rPr>
+              <a:t>2. </a:t>
+            </a:r>
+            <a:r>
+              <a:rPr lang="en-US" sz="2800" dirty="0">
+                <a:latin typeface="Calibri" pitchFamily="34" charset="0"/>
+              </a:rPr>
+              <a:t>show how </a:t>
+            </a:r>
+            <a:r>
+              <a:rPr lang="en-US" sz="2800" b="1" dirty="0">
+                <a:latin typeface="Calibri" pitchFamily="34" charset="0"/>
+              </a:rPr>
+              <a:t>a</a:t>
+            </a:r>
+            <a:r>
+              <a:rPr lang="en-US" sz="2800" b="1" dirty="0" smtClean="0">
+                <a:latin typeface="Calibri" pitchFamily="34" charset="0"/>
+              </a:rPr>
+              <a:t>rticle text data </a:t>
+            </a:r>
+            <a:r>
+              <a:rPr lang="en-US" sz="2800" dirty="0" smtClean="0">
+                <a:latin typeface="Calibri" pitchFamily="34" charset="0"/>
+              </a:rPr>
+              <a:t>was an effective </a:t>
+            </a:r>
+            <a:r>
+              <a:rPr lang="en-US" sz="2800" dirty="0">
+                <a:latin typeface="Calibri" pitchFamily="34" charset="0"/>
+              </a:rPr>
+              <a:t>predictor of </a:t>
+            </a:r>
+            <a:r>
+              <a:rPr lang="en-US" sz="2800" b="1" dirty="0">
+                <a:latin typeface="Calibri" pitchFamily="34" charset="0"/>
+              </a:rPr>
+              <a:t>stock price</a:t>
+            </a:r>
+            <a:r>
+              <a:rPr lang="en-US" sz="2800" dirty="0">
+                <a:latin typeface="Calibri" pitchFamily="34" charset="0"/>
+              </a:rPr>
+              <a:t> in a </a:t>
+            </a:r>
+            <a:r>
+              <a:rPr lang="en-US" sz="2800" dirty="0" smtClean="0">
+                <a:latin typeface="Calibri" pitchFamily="34" charset="0"/>
+              </a:rPr>
+              <a:t>logistic regression </a:t>
+            </a:r>
+            <a:r>
+              <a:rPr lang="en-US" sz="2800" dirty="0">
+                <a:latin typeface="Calibri" pitchFamily="34" charset="0"/>
+              </a:rPr>
+              <a:t>model</a:t>
+            </a:r>
           </a:p>
           <a:p>
             <a:pPr eaLnBrk="1" hangingPunct="1"/>
@@ -4943,7 +5000,7 @@
         <p:spPr bwMode="auto">
           <a:xfrm>
             <a:off x="1263537" y="19961529"/>
-            <a:ext cx="9692640" cy="8463809"/>
+            <a:ext cx="9692640" cy="8772617"/>
           </a:xfrm>
           <a:prstGeom prst="rect">
             <a:avLst/>
@@ -4962,7 +5019,7 @@
         </p:spPr>
         <p:txBody>
           <a:bodyPr lIns="137137" tIns="137137" rIns="137137" bIns="137137">
-            <a:spAutoFit/>
+            <a:noAutofit/>
           </a:bodyPr>
           <a:lstStyle>
             <a:lvl1pPr eaLnBrk="0" hangingPunct="0">
@@ -5332,17 +5389,32 @@
               <a:rPr lang="en-US" sz="2800" dirty="0">
                 <a:latin typeface="Calibri" pitchFamily="34" charset="0"/>
               </a:rPr>
-              <a:t>as a neural network model able to adapt to previous article </a:t>
+              <a:t>as </a:t>
             </a:r>
             <a:r>
               <a:rPr lang="en-US" sz="2800" dirty="0" smtClean="0">
                 <a:latin typeface="Calibri" pitchFamily="34" charset="0"/>
               </a:rPr>
-              <a:t>data</a:t>
-            </a:r>
-            <a:endParaRPr lang="en-US" sz="2800" dirty="0">
-              <a:latin typeface="Calibri" pitchFamily="34" charset="0"/>
-            </a:endParaRPr>
+              <a:t>our </a:t>
+            </a:r>
+            <a:r>
+              <a:rPr lang="en-US" sz="2800" dirty="0">
+                <a:latin typeface="Calibri" pitchFamily="34" charset="0"/>
+              </a:rPr>
+              <a:t>main learning model which takes numerical, textual and google trends </a:t>
+            </a:r>
+            <a:r>
+              <a:rPr lang="en-US" sz="2800" dirty="0" smtClean="0">
+                <a:latin typeface="Calibri" pitchFamily="34" charset="0"/>
+              </a:rPr>
+              <a:t>data </a:t>
+            </a:r>
+            <a:r>
+              <a:rPr lang="en-US" sz="2800" dirty="0">
+                <a:latin typeface="Calibri" pitchFamily="34" charset="0"/>
+              </a:rPr>
+              <a:t>and outputs final price prediction</a:t>
+            </a:r>
           </a:p>
         </p:txBody>
       </p:sp>
@@ -5454,7 +5526,7 @@
         </p:blipFill>
         <p:spPr>
           <a:xfrm>
-            <a:off x="11967770" y="6581730"/>
+            <a:off x="11739170" y="6581730"/>
             <a:ext cx="4809341" cy="3607006"/>
           </a:xfrm>
           <a:prstGeom prst="rect">
@@ -5472,7 +5544,7 @@
         </p:nvSpPr>
         <p:spPr bwMode="auto">
           <a:xfrm>
-            <a:off x="12530959" y="10129904"/>
+            <a:off x="12302359" y="10129904"/>
             <a:ext cx="4114800" cy="1023345"/>
           </a:xfrm>
           <a:prstGeom prst="rect">
@@ -5667,13 +5739,13 @@
           <p:nvPr>
             <p:extLst>
               <p:ext uri="{D42A27DB-BD31-4B8C-83A1-F6EECF244321}">
-                <p14:modId xmlns:p14="http://schemas.microsoft.com/office/powerpoint/2010/main" val="941556746"/>
+                <p14:modId xmlns:p14="http://schemas.microsoft.com/office/powerpoint/2010/main" val="507124895"/>
               </p:ext>
             </p:extLst>
           </p:nvPr>
         </p:nvGraphicFramePr>
         <p:xfrm>
-          <a:off x="17069919" y="6777105"/>
+          <a:off x="16841319" y="6777105"/>
           <a:ext cx="2755192" cy="3229590"/>
         </p:xfrm>
         <a:graphic>
@@ -5801,6 +5873,10 @@
                     <a:bodyPr/>
                     <a:lstStyle/>
                     <a:p>
+                      <a:r>
+                        <a:rPr lang="en-US" sz="2400" dirty="0" smtClean="0"/>
+                        <a:t>0.7</a:t>
+                      </a:r>
                       <a:endParaRPr lang="en-US" sz="2400" dirty="0"/>
                     </a:p>
                   </a:txBody>
@@ -5887,7 +5963,7 @@
         </p:nvSpPr>
         <p:spPr bwMode="auto">
           <a:xfrm>
-            <a:off x="16992600" y="10129904"/>
+            <a:off x="16764000" y="10129904"/>
             <a:ext cx="4114800" cy="992567"/>
           </a:xfrm>
           <a:prstGeom prst="rect">
@@ -6035,7 +6111,7 @@
               <a:rPr lang="en-US" sz="2400" b="1" dirty="0" smtClean="0">
                 <a:latin typeface="Calibri" pitchFamily="34" charset="0"/>
               </a:rPr>
-              <a:t>Figure 1</a:t>
+              <a:t>Table 1</a:t>
             </a:r>
             <a:r>
               <a:rPr lang="en-US" sz="2400" b="1" dirty="0">
@@ -6133,6 +6209,720 @@
           </a:prstGeom>
         </p:spPr>
       </p:pic>
+      <p:sp>
+        <p:nvSpPr>
+          <p:cNvPr id="47" name="Text Box 180"/>
+          <p:cNvSpPr txBox="1">
+            <a:spLocks noChangeArrowheads="1"/>
+          </p:cNvSpPr>
+          <p:nvPr/>
+        </p:nvSpPr>
+        <p:spPr bwMode="auto">
+          <a:xfrm>
+            <a:off x="12149959" y="16104034"/>
+            <a:ext cx="5305185" cy="1269566"/>
+          </a:xfrm>
+          <a:prstGeom prst="rect">
+            <a:avLst/>
+          </a:prstGeom>
+          <a:noFill/>
+          <a:ln>
+            <a:noFill/>
+          </a:ln>
+          <a:effectLst/>
+          <a:extLst>
+            <a:ext uri="{909E8E84-426E-40DD-AFC4-6F175D3DCCD1}">
+              <a14:hiddenFill xmlns:a14="http://schemas.microsoft.com/office/drawing/2010/main">
+                <a:solidFill>
+                  <a:schemeClr val="accent1"/>
+                </a:solidFill>
+              </a14:hiddenFill>
+            </a:ext>
+            <a:ext uri="{91240B29-F687-4F45-9708-019B960494DF}">
+              <a14:hiddenLine xmlns:a14="http://schemas.microsoft.com/office/drawing/2010/main" w="9525">
+                <a:solidFill>
+                  <a:schemeClr val="tx1"/>
+                </a:solidFill>
+                <a:miter lim="800000"/>
+                <a:headEnd/>
+                <a:tailEnd/>
+              </a14:hiddenLine>
+            </a:ext>
+            <a:ext uri="{AF507438-7753-43E0-B8FC-AC1667EBCBE1}">
+              <a14:hiddenEffects xmlns:a14="http://schemas.microsoft.com/office/drawing/2010/main">
+                <a:effectLst>
+                  <a:outerShdw dist="35921" dir="2700000" algn="ctr" rotWithShape="0">
+                    <a:schemeClr val="bg2"/>
+                  </a:outerShdw>
+                </a:effectLst>
+              </a14:hiddenEffects>
+            </a:ext>
+          </a:extLst>
+        </p:spPr>
+        <p:txBody>
+          <a:bodyPr wrap="square" lIns="68568" tIns="34284" rIns="68568" bIns="34284">
+            <a:spAutoFit/>
+          </a:bodyPr>
+          <a:lstStyle>
+            <a:lvl1pPr defTabSz="4389438" eaLnBrk="0" hangingPunct="0">
+              <a:defRPr sz="2200">
+                <a:solidFill>
+                  <a:schemeClr val="tx1"/>
+                </a:solidFill>
+                <a:latin typeface="Arial" charset="0"/>
+              </a:defRPr>
+            </a:lvl1pPr>
+            <a:lvl2pPr marL="742950" indent="-285750" defTabSz="4389438" eaLnBrk="0" hangingPunct="0">
+              <a:defRPr sz="2200">
+                <a:solidFill>
+                  <a:schemeClr val="tx1"/>
+                </a:solidFill>
+                <a:latin typeface="Arial" charset="0"/>
+              </a:defRPr>
+            </a:lvl2pPr>
+            <a:lvl3pPr marL="1143000" indent="-228600" defTabSz="4389438" eaLnBrk="0" hangingPunct="0">
+              <a:defRPr sz="2200">
+                <a:solidFill>
+                  <a:schemeClr val="tx1"/>
+                </a:solidFill>
+                <a:latin typeface="Arial" charset="0"/>
+              </a:defRPr>
+            </a:lvl3pPr>
+            <a:lvl4pPr marL="1600200" indent="-228600" defTabSz="4389438" eaLnBrk="0" hangingPunct="0">
+              <a:defRPr sz="2200">
+                <a:solidFill>
+                  <a:schemeClr val="tx1"/>
+                </a:solidFill>
+                <a:latin typeface="Arial" charset="0"/>
+              </a:defRPr>
+            </a:lvl4pPr>
+            <a:lvl5pPr marL="2057400" indent="-228600" defTabSz="4389438" eaLnBrk="0" hangingPunct="0">
+              <a:defRPr sz="2200">
+                <a:solidFill>
+                  <a:schemeClr val="tx1"/>
+                </a:solidFill>
+                <a:latin typeface="Arial" charset="0"/>
+              </a:defRPr>
+            </a:lvl5pPr>
+            <a:lvl6pPr marL="2514600" indent="-228600" defTabSz="4389438" eaLnBrk="0" fontAlgn="base" hangingPunct="0">
+              <a:spcBef>
+                <a:spcPct val="0"/>
+              </a:spcBef>
+              <a:spcAft>
+                <a:spcPct val="0"/>
+              </a:spcAft>
+              <a:defRPr sz="2200">
+                <a:solidFill>
+                  <a:schemeClr val="tx1"/>
+                </a:solidFill>
+                <a:latin typeface="Arial" charset="0"/>
+              </a:defRPr>
+            </a:lvl6pPr>
+            <a:lvl7pPr marL="2971800" indent="-228600" defTabSz="4389438" eaLnBrk="0" fontAlgn="base" hangingPunct="0">
+              <a:spcBef>
+                <a:spcPct val="0"/>
+              </a:spcBef>
+              <a:spcAft>
+                <a:spcPct val="0"/>
+              </a:spcAft>
+              <a:defRPr sz="2200">
+                <a:solidFill>
+                  <a:schemeClr val="tx1"/>
+                </a:solidFill>
+                <a:latin typeface="Arial" charset="0"/>
+              </a:defRPr>
+            </a:lvl7pPr>
+            <a:lvl8pPr marL="3429000" indent="-228600" defTabSz="4389438" eaLnBrk="0" fontAlgn="base" hangingPunct="0">
+              <a:spcBef>
+                <a:spcPct val="0"/>
+              </a:spcBef>
+              <a:spcAft>
+                <a:spcPct val="0"/>
+              </a:spcAft>
+              <a:defRPr sz="2200">
+                <a:solidFill>
+                  <a:schemeClr val="tx1"/>
+                </a:solidFill>
+                <a:latin typeface="Arial" charset="0"/>
+              </a:defRPr>
+            </a:lvl8pPr>
+            <a:lvl9pPr marL="3886200" indent="-228600" defTabSz="4389438" eaLnBrk="0" fontAlgn="base" hangingPunct="0">
+              <a:spcBef>
+                <a:spcPct val="0"/>
+              </a:spcBef>
+              <a:spcAft>
+                <a:spcPct val="0"/>
+              </a:spcAft>
+              <a:defRPr sz="2200">
+                <a:solidFill>
+                  <a:schemeClr val="tx1"/>
+                </a:solidFill>
+                <a:latin typeface="Arial" charset="0"/>
+              </a:defRPr>
+            </a:lvl9pPr>
+          </a:lstStyle>
+          <a:p>
+            <a:pPr eaLnBrk="1" hangingPunct="1"/>
+            <a:r>
+              <a:rPr lang="en-US" sz="2400" b="1" dirty="0" smtClean="0">
+                <a:latin typeface="Calibri" pitchFamily="34" charset="0"/>
+              </a:rPr>
+              <a:t>Figure 2.</a:t>
+            </a:r>
+            <a:r>
+              <a:rPr lang="en-US" sz="2400" dirty="0" smtClean="0">
+                <a:latin typeface="Calibri" pitchFamily="34" charset="0"/>
+              </a:rPr>
+              <a:t> Logistic Regression Results</a:t>
+            </a:r>
+          </a:p>
+          <a:p>
+            <a:pPr eaLnBrk="1" hangingPunct="1"/>
+            <a:r>
+              <a:rPr lang="en-US" sz="1800" dirty="0" smtClean="0">
+                <a:latin typeface="Calibri" pitchFamily="34" charset="0"/>
+              </a:rPr>
+              <a:t>Stock increase/decrease predictions based on article data </a:t>
+            </a:r>
+            <a:r>
+              <a:rPr lang="en-US" sz="1800" dirty="0">
+                <a:latin typeface="Calibri" pitchFamily="34" charset="0"/>
+              </a:rPr>
+              <a:t>for </a:t>
+            </a:r>
+            <a:r>
+              <a:rPr lang="en-US" sz="1800" dirty="0" smtClean="0">
+                <a:latin typeface="Calibri" pitchFamily="34" charset="0"/>
+              </a:rPr>
+              <a:t>Seagate.</a:t>
+            </a:r>
+          </a:p>
+          <a:p>
+            <a:pPr eaLnBrk="1" hangingPunct="1"/>
+            <a:r>
+              <a:rPr lang="en-US" sz="1800" dirty="0" smtClean="0">
+                <a:latin typeface="Calibri" pitchFamily="34" charset="0"/>
+              </a:rPr>
+              <a:t>0 represents decrease from previous day; 1 increase</a:t>
+            </a:r>
+          </a:p>
+        </p:txBody>
+      </p:sp>
+      <p:pic>
+        <p:nvPicPr>
+          <p:cNvPr id="23" name="Picture 22"/>
+          <p:cNvPicPr>
+            <a:picLocks noChangeAspect="1"/>
+          </p:cNvPicPr>
+          <p:nvPr/>
+        </p:nvPicPr>
+        <p:blipFill>
+          <a:blip r:embed="rId10">
+            <a:extLst>
+              <a:ext uri="{BEBA8EAE-BF5A-486C-A8C5-ECC9F3942E4B}">
+                <a14:imgProps xmlns:a14="http://schemas.microsoft.com/office/drawing/2010/main">
+                  <a14:imgLayer r:embed="rId11">
+                    <a14:imgEffect>
+                      <a14:backgroundRemoval t="2183" b="98016" l="6204" r="93241">
+                        <a14:foregroundMark x1="7130" y1="6151" x2="6852" y2="94048"/>
+                        <a14:foregroundMark x1="6296" y1="2183" x2="91296" y2="2579"/>
+                        <a14:foregroundMark x1="92870" y1="3373" x2="93241" y2="98016"/>
+                      </a14:backgroundRemoval>
+                    </a14:imgEffect>
+                  </a14:imgLayer>
+                </a14:imgProps>
+              </a:ext>
+              <a:ext uri="{28A0092B-C50C-407E-A947-70E740481C1C}">
+                <a14:useLocalDpi xmlns:a14="http://schemas.microsoft.com/office/drawing/2010/main" val="0"/>
+              </a:ext>
+            </a:extLst>
+          </a:blip>
+          <a:stretch>
+            <a:fillRect/>
+          </a:stretch>
+        </p:blipFill>
+        <p:spPr>
+          <a:xfrm>
+            <a:off x="11461761" y="12897015"/>
+            <a:ext cx="6826239" cy="3221138"/>
+          </a:xfrm>
+          <a:prstGeom prst="rect">
+            <a:avLst/>
+          </a:prstGeom>
+        </p:spPr>
+      </p:pic>
+      <p:graphicFrame>
+        <p:nvGraphicFramePr>
+          <p:cNvPr id="54" name="Table 53"/>
+          <p:cNvGraphicFramePr>
+            <a:graphicFrameLocks noGrp="1"/>
+          </p:cNvGraphicFramePr>
+          <p:nvPr>
+            <p:extLst>
+              <p:ext uri="{D42A27DB-BD31-4B8C-83A1-F6EECF244321}">
+                <p14:modId xmlns:p14="http://schemas.microsoft.com/office/powerpoint/2010/main" val="1403759217"/>
+              </p:ext>
+            </p:extLst>
+          </p:nvPr>
+        </p:nvGraphicFramePr>
+        <p:xfrm>
+          <a:off x="17940280" y="12675034"/>
+          <a:ext cx="2938520" cy="3229590"/>
+        </p:xfrm>
+        <a:graphic>
+          <a:graphicData uri="http://schemas.openxmlformats.org/drawingml/2006/table">
+            <a:tbl>
+              <a:tblPr firstRow="1" bandRow="1">
+                <a:tableStyleId>{5C22544A-7EE6-4342-B048-85BDC9FD1C3A}</a:tableStyleId>
+              </a:tblPr>
+              <a:tblGrid>
+                <a:gridCol w="1469260"/>
+                <a:gridCol w="1469260"/>
+              </a:tblGrid>
+              <a:tr h="538265">
+                <a:tc>
+                  <a:txBody>
+                    <a:bodyPr/>
+                    <a:lstStyle/>
+                    <a:p>
+                      <a:pPr algn="ctr"/>
+                      <a:r>
+                        <a:rPr lang="en-US" sz="2400" dirty="0" smtClean="0"/>
+                        <a:t>Company</a:t>
+                      </a:r>
+                      <a:endParaRPr lang="en-US" sz="2400" dirty="0"/>
+                    </a:p>
+                  </a:txBody>
+                  <a:tcPr anchor="ctr"/>
+                </a:tc>
+                <a:tc>
+                  <a:txBody>
+                    <a:bodyPr/>
+                    <a:lstStyle/>
+                    <a:p>
+                      <a:pPr algn="ctr"/>
+                      <a:r>
+                        <a:rPr lang="en-US" sz="1800" dirty="0" smtClean="0"/>
+                        <a:t>Accuracy (%)</a:t>
+                      </a:r>
+                      <a:endParaRPr lang="en-US" sz="1800" dirty="0"/>
+                    </a:p>
+                  </a:txBody>
+                  <a:tcPr anchor="ctr"/>
+                </a:tc>
+              </a:tr>
+              <a:tr h="538265">
+                <a:tc>
+                  <a:txBody>
+                    <a:bodyPr/>
+                    <a:lstStyle/>
+                    <a:p>
+                      <a:pPr algn="l"/>
+                      <a:r>
+                        <a:rPr lang="en-US" sz="2400" dirty="0" smtClean="0"/>
+                        <a:t>HP</a:t>
+                      </a:r>
+                      <a:endParaRPr lang="en-US" sz="2400" dirty="0"/>
+                    </a:p>
+                  </a:txBody>
+                  <a:tcPr anchor="ctr"/>
+                </a:tc>
+                <a:tc>
+                  <a:txBody>
+                    <a:bodyPr/>
+                    <a:lstStyle/>
+                    <a:p>
+                      <a:r>
+                        <a:rPr lang="en-US" sz="2400" dirty="0" smtClean="0"/>
+                        <a:t>85</a:t>
+                      </a:r>
+                      <a:endParaRPr lang="en-US" sz="2400" dirty="0"/>
+                    </a:p>
+                  </a:txBody>
+                  <a:tcPr/>
+                </a:tc>
+              </a:tr>
+              <a:tr h="538265">
+                <a:tc>
+                  <a:txBody>
+                    <a:bodyPr/>
+                    <a:lstStyle/>
+                    <a:p>
+                      <a:pPr algn="l"/>
+                      <a:r>
+                        <a:rPr lang="en-US" sz="2400" dirty="0" smtClean="0"/>
+                        <a:t>IBM</a:t>
+                      </a:r>
+                      <a:endParaRPr lang="en-US" sz="2400" dirty="0"/>
+                    </a:p>
+                  </a:txBody>
+                  <a:tcPr anchor="ctr"/>
+                </a:tc>
+                <a:tc>
+                  <a:txBody>
+                    <a:bodyPr/>
+                    <a:lstStyle/>
+                    <a:p>
+                      <a:r>
+                        <a:rPr lang="en-US" sz="2400" dirty="0" smtClean="0"/>
+                        <a:t>76</a:t>
+                      </a:r>
+                      <a:endParaRPr lang="en-US" sz="2400" dirty="0"/>
+                    </a:p>
+                  </a:txBody>
+                  <a:tcPr/>
+                </a:tc>
+              </a:tr>
+              <a:tr h="538265">
+                <a:tc>
+                  <a:txBody>
+                    <a:bodyPr/>
+                    <a:lstStyle/>
+                    <a:p>
+                      <a:pPr algn="l"/>
+                      <a:r>
+                        <a:rPr lang="en-US" sz="2400" dirty="0" smtClean="0"/>
+                        <a:t>Intel</a:t>
+                      </a:r>
+                      <a:endParaRPr lang="en-US" sz="2400" dirty="0"/>
+                    </a:p>
+                  </a:txBody>
+                  <a:tcPr anchor="ctr"/>
+                </a:tc>
+                <a:tc>
+                  <a:txBody>
+                    <a:bodyPr/>
+                    <a:lstStyle/>
+                    <a:p>
+                      <a:r>
+                        <a:rPr lang="en-US" sz="2400" dirty="0" smtClean="0"/>
+                        <a:t>---</a:t>
+                      </a:r>
+                      <a:endParaRPr lang="en-US" sz="2400" dirty="0"/>
+                    </a:p>
+                  </a:txBody>
+                  <a:tcPr/>
+                </a:tc>
+              </a:tr>
+              <a:tr h="538265">
+                <a:tc>
+                  <a:txBody>
+                    <a:bodyPr/>
+                    <a:lstStyle/>
+                    <a:p>
+                      <a:pPr algn="l"/>
+                      <a:r>
+                        <a:rPr lang="en-US" sz="2400" dirty="0" smtClean="0"/>
+                        <a:t>Seagate</a:t>
+                      </a:r>
+                      <a:endParaRPr lang="en-US" sz="2400" dirty="0"/>
+                    </a:p>
+                  </a:txBody>
+                  <a:tcPr anchor="ctr"/>
+                </a:tc>
+                <a:tc>
+                  <a:txBody>
+                    <a:bodyPr/>
+                    <a:lstStyle/>
+                    <a:p>
+                      <a:r>
+                        <a:rPr lang="en-US" sz="2400" dirty="0" smtClean="0"/>
+                        <a:t>84</a:t>
+                      </a:r>
+                      <a:endParaRPr lang="en-US" sz="2400" dirty="0"/>
+                    </a:p>
+                  </a:txBody>
+                  <a:tcPr/>
+                </a:tc>
+              </a:tr>
+              <a:tr h="538265">
+                <a:tc>
+                  <a:txBody>
+                    <a:bodyPr/>
+                    <a:lstStyle/>
+                    <a:p>
+                      <a:pPr algn="l"/>
+                      <a:r>
+                        <a:rPr lang="en-US" sz="2400" dirty="0" smtClean="0"/>
+                        <a:t>West</a:t>
+                      </a:r>
+                      <a:r>
+                        <a:rPr lang="en-US" sz="2400" baseline="0" dirty="0" smtClean="0"/>
+                        <a:t> Dig*</a:t>
+                      </a:r>
+                      <a:endParaRPr lang="en-US" sz="2400" dirty="0"/>
+                    </a:p>
+                  </a:txBody>
+                  <a:tcPr anchor="ctr"/>
+                </a:tc>
+                <a:tc>
+                  <a:txBody>
+                    <a:bodyPr/>
+                    <a:lstStyle/>
+                    <a:p>
+                      <a:r>
+                        <a:rPr lang="en-US" sz="2400" dirty="0" smtClean="0"/>
+                        <a:t>---</a:t>
+                      </a:r>
+                      <a:endParaRPr lang="en-US" sz="2400" dirty="0"/>
+                    </a:p>
+                  </a:txBody>
+                  <a:tcPr/>
+                </a:tc>
+              </a:tr>
+            </a:tbl>
+          </a:graphicData>
+        </a:graphic>
+      </p:graphicFrame>
+      <p:sp>
+        <p:nvSpPr>
+          <p:cNvPr id="55" name="Text Box 180"/>
+          <p:cNvSpPr txBox="1">
+            <a:spLocks noChangeArrowheads="1"/>
+          </p:cNvSpPr>
+          <p:nvPr/>
+        </p:nvSpPr>
+        <p:spPr bwMode="auto">
+          <a:xfrm>
+            <a:off x="17907000" y="16094140"/>
+            <a:ext cx="3435499" cy="992567"/>
+          </a:xfrm>
+          <a:prstGeom prst="rect">
+            <a:avLst/>
+          </a:prstGeom>
+          <a:noFill/>
+          <a:ln>
+            <a:noFill/>
+          </a:ln>
+          <a:effectLst/>
+          <a:extLst>
+            <a:ext uri="{909E8E84-426E-40DD-AFC4-6F175D3DCCD1}">
+              <a14:hiddenFill xmlns:a14="http://schemas.microsoft.com/office/drawing/2010/main">
+                <a:solidFill>
+                  <a:schemeClr val="accent1"/>
+                </a:solidFill>
+              </a14:hiddenFill>
+            </a:ext>
+            <a:ext uri="{91240B29-F687-4F45-9708-019B960494DF}">
+              <a14:hiddenLine xmlns:a14="http://schemas.microsoft.com/office/drawing/2010/main" w="9525">
+                <a:solidFill>
+                  <a:schemeClr val="tx1"/>
+                </a:solidFill>
+                <a:miter lim="800000"/>
+                <a:headEnd/>
+                <a:tailEnd/>
+              </a14:hiddenLine>
+            </a:ext>
+            <a:ext uri="{AF507438-7753-43E0-B8FC-AC1667EBCBE1}">
+              <a14:hiddenEffects xmlns:a14="http://schemas.microsoft.com/office/drawing/2010/main">
+                <a:effectLst>
+                  <a:outerShdw dist="35921" dir="2700000" algn="ctr" rotWithShape="0">
+                    <a:schemeClr val="bg2"/>
+                  </a:outerShdw>
+                </a:effectLst>
+              </a14:hiddenEffects>
+            </a:ext>
+          </a:extLst>
+        </p:spPr>
+        <p:txBody>
+          <a:bodyPr wrap="square" lIns="68568" tIns="34284" rIns="68568" bIns="34284">
+            <a:spAutoFit/>
+          </a:bodyPr>
+          <a:lstStyle>
+            <a:lvl1pPr defTabSz="4389438" eaLnBrk="0" hangingPunct="0">
+              <a:defRPr sz="2200">
+                <a:solidFill>
+                  <a:schemeClr val="tx1"/>
+                </a:solidFill>
+                <a:latin typeface="Arial" charset="0"/>
+              </a:defRPr>
+            </a:lvl1pPr>
+            <a:lvl2pPr marL="742950" indent="-285750" defTabSz="4389438" eaLnBrk="0" hangingPunct="0">
+              <a:defRPr sz="2200">
+                <a:solidFill>
+                  <a:schemeClr val="tx1"/>
+                </a:solidFill>
+                <a:latin typeface="Arial" charset="0"/>
+              </a:defRPr>
+            </a:lvl2pPr>
+            <a:lvl3pPr marL="1143000" indent="-228600" defTabSz="4389438" eaLnBrk="0" hangingPunct="0">
+              <a:defRPr sz="2200">
+                <a:solidFill>
+                  <a:schemeClr val="tx1"/>
+                </a:solidFill>
+                <a:latin typeface="Arial" charset="0"/>
+              </a:defRPr>
+            </a:lvl3pPr>
+            <a:lvl4pPr marL="1600200" indent="-228600" defTabSz="4389438" eaLnBrk="0" hangingPunct="0">
+              <a:defRPr sz="2200">
+                <a:solidFill>
+                  <a:schemeClr val="tx1"/>
+                </a:solidFill>
+                <a:latin typeface="Arial" charset="0"/>
+              </a:defRPr>
+            </a:lvl4pPr>
+            <a:lvl5pPr marL="2057400" indent="-228600" defTabSz="4389438" eaLnBrk="0" hangingPunct="0">
+              <a:defRPr sz="2200">
+                <a:solidFill>
+                  <a:schemeClr val="tx1"/>
+                </a:solidFill>
+                <a:latin typeface="Arial" charset="0"/>
+              </a:defRPr>
+            </a:lvl5pPr>
+            <a:lvl6pPr marL="2514600" indent="-228600" defTabSz="4389438" eaLnBrk="0" fontAlgn="base" hangingPunct="0">
+              <a:spcBef>
+                <a:spcPct val="0"/>
+              </a:spcBef>
+              <a:spcAft>
+                <a:spcPct val="0"/>
+              </a:spcAft>
+              <a:defRPr sz="2200">
+                <a:solidFill>
+                  <a:schemeClr val="tx1"/>
+                </a:solidFill>
+                <a:latin typeface="Arial" charset="0"/>
+              </a:defRPr>
+            </a:lvl6pPr>
+            <a:lvl7pPr marL="2971800" indent="-228600" defTabSz="4389438" eaLnBrk="0" fontAlgn="base" hangingPunct="0">
+              <a:spcBef>
+                <a:spcPct val="0"/>
+              </a:spcBef>
+              <a:spcAft>
+                <a:spcPct val="0"/>
+              </a:spcAft>
+              <a:defRPr sz="2200">
+                <a:solidFill>
+                  <a:schemeClr val="tx1"/>
+                </a:solidFill>
+                <a:latin typeface="Arial" charset="0"/>
+              </a:defRPr>
+            </a:lvl7pPr>
+            <a:lvl8pPr marL="3429000" indent="-228600" defTabSz="4389438" eaLnBrk="0" fontAlgn="base" hangingPunct="0">
+              <a:spcBef>
+                <a:spcPct val="0"/>
+              </a:spcBef>
+              <a:spcAft>
+                <a:spcPct val="0"/>
+              </a:spcAft>
+              <a:defRPr sz="2200">
+                <a:solidFill>
+                  <a:schemeClr val="tx1"/>
+                </a:solidFill>
+                <a:latin typeface="Arial" charset="0"/>
+              </a:defRPr>
+            </a:lvl8pPr>
+            <a:lvl9pPr marL="3886200" indent="-228600" defTabSz="4389438" eaLnBrk="0" fontAlgn="base" hangingPunct="0">
+              <a:spcBef>
+                <a:spcPct val="0"/>
+              </a:spcBef>
+              <a:spcAft>
+                <a:spcPct val="0"/>
+              </a:spcAft>
+              <a:defRPr sz="2200">
+                <a:solidFill>
+                  <a:schemeClr val="tx1"/>
+                </a:solidFill>
+                <a:latin typeface="Arial" charset="0"/>
+              </a:defRPr>
+            </a:lvl9pPr>
+          </a:lstStyle>
+          <a:p>
+            <a:pPr eaLnBrk="1" hangingPunct="1"/>
+            <a:r>
+              <a:rPr lang="en-US" sz="2400" b="1" dirty="0" smtClean="0">
+                <a:latin typeface="Calibri" pitchFamily="34" charset="0"/>
+              </a:rPr>
+              <a:t>Table 2.</a:t>
+            </a:r>
+            <a:r>
+              <a:rPr lang="en-US" sz="2400" dirty="0" smtClean="0">
+                <a:latin typeface="Calibri" pitchFamily="34" charset="0"/>
+              </a:rPr>
+              <a:t> </a:t>
+            </a:r>
+            <a:r>
+              <a:rPr lang="en-US" sz="2400" dirty="0" smtClean="0">
+                <a:latin typeface="Calibri" pitchFamily="34" charset="0"/>
+              </a:rPr>
+              <a:t>Testing Accuracy</a:t>
+            </a:r>
+            <a:endParaRPr lang="en-US" sz="1800" dirty="0" smtClean="0">
+              <a:latin typeface="Calibri" pitchFamily="34" charset="0"/>
+            </a:endParaRPr>
+          </a:p>
+          <a:p>
+            <a:pPr eaLnBrk="1" hangingPunct="1"/>
+            <a:r>
+              <a:rPr lang="en-US" sz="1800" dirty="0" smtClean="0">
+                <a:latin typeface="Calibri" pitchFamily="34" charset="0"/>
+              </a:rPr>
+              <a:t>Error from the logistic regression text model by company</a:t>
+            </a:r>
+            <a:endParaRPr lang="en-US" sz="1800" dirty="0">
+              <a:latin typeface="Calibri" pitchFamily="34" charset="0"/>
+            </a:endParaRPr>
+          </a:p>
+        </p:txBody>
+      </p:sp>
+      <p:sp>
+        <p:nvSpPr>
+          <p:cNvPr id="28" name="TextBox 27"/>
+          <p:cNvSpPr txBox="1"/>
+          <p:nvPr/>
+        </p:nvSpPr>
+        <p:spPr>
+          <a:xfrm>
+            <a:off x="27889200" y="31735693"/>
+            <a:ext cx="5029200" cy="954107"/>
+          </a:xfrm>
+          <a:prstGeom prst="rect">
+            <a:avLst/>
+          </a:prstGeom>
+          <a:noFill/>
+        </p:spPr>
+        <p:txBody>
+          <a:bodyPr wrap="square" rtlCol="0">
+            <a:spAutoFit/>
+          </a:bodyPr>
+          <a:lstStyle/>
+          <a:p>
+            <a:r>
+              <a:rPr lang="en-US" sz="1400" dirty="0" smtClean="0"/>
+              <a:t>Graphs generated from </a:t>
+            </a:r>
+            <a:r>
+              <a:rPr lang="en-US" sz="1400" dirty="0" err="1" smtClean="0"/>
+              <a:t>TensorFlow</a:t>
+            </a:r>
+            <a:r>
+              <a:rPr lang="en-US" sz="1400" dirty="0" smtClean="0"/>
+              <a:t> and </a:t>
+            </a:r>
+            <a:r>
+              <a:rPr lang="en-US" sz="1400" dirty="0" err="1"/>
+              <a:t>J</a:t>
+            </a:r>
+            <a:r>
+              <a:rPr lang="en-US" sz="1400" dirty="0" err="1" smtClean="0"/>
+              <a:t>uptyer</a:t>
+            </a:r>
+            <a:r>
+              <a:rPr lang="en-US" sz="1400" dirty="0" smtClean="0"/>
+              <a:t> Notebook models created by this team</a:t>
+            </a:r>
+          </a:p>
+          <a:p>
+            <a:endParaRPr lang="en-US" sz="1400" dirty="0"/>
+          </a:p>
+          <a:p>
+            <a:r>
+              <a:rPr lang="en-US" sz="1400" dirty="0" smtClean="0"/>
+              <a:t>* Logistic regression model data not currently available</a:t>
+            </a:r>
+            <a:endParaRPr lang="en-US" sz="1400" dirty="0"/>
+          </a:p>
+        </p:txBody>
+      </p:sp>
     </p:spTree>
     <p:extLst>
       <p:ext uri="{BB962C8B-B14F-4D97-AF65-F5344CB8AC3E}">

--- a/project/ML Poster.pptx
+++ b/project/ML Poster.pptx
@@ -2964,7 +2964,7 @@
                 </a:solidFill>
                 <a:latin typeface="+mn-lt"/>
               </a:rPr>
-              <a:t>Using Textual Data to Predict Stock Fluctuations</a:t>
+              <a:t>Using Media Data to Predict Stock Fluctuations</a:t>
             </a:r>
             <a:endParaRPr lang="en-US" sz="6600" b="1" dirty="0">
               <a:solidFill>
@@ -3159,7 +3159,7 @@
         </p:nvSpPr>
         <p:spPr>
           <a:xfrm>
-            <a:off x="1280160" y="28971654"/>
+            <a:off x="1280160" y="28669725"/>
             <a:ext cx="2498352" cy="746346"/>
           </a:xfrm>
           <a:prstGeom prst="rect">
@@ -3502,7 +3502,7 @@
         <p:spPr bwMode="auto">
           <a:xfrm>
             <a:off x="11649859" y="5486400"/>
-            <a:ext cx="9692640" cy="22901928"/>
+            <a:ext cx="9692640" cy="22945817"/>
           </a:xfrm>
           <a:prstGeom prst="rect">
             <a:avLst/>
@@ -3627,7 +3627,7 @@
               <a:rPr lang="en-US" sz="2800" dirty="0" smtClean="0">
                 <a:latin typeface="Calibri" pitchFamily="34" charset="0"/>
               </a:rPr>
-              <a:t>Figure 1. and Table 1. show how </a:t>
+              <a:t>Figure 1 and Table 1 show how </a:t>
             </a:r>
             <a:r>
               <a:rPr lang="en-US" sz="2800" b="1" dirty="0" smtClean="0">
@@ -3753,7 +3753,7 @@
               <a:rPr lang="en-US" sz="2800" dirty="0" smtClean="0">
                 <a:latin typeface="Calibri" pitchFamily="34" charset="0"/>
               </a:rPr>
-              <a:t>2. </a:t>
+              <a:t>2 </a:t>
             </a:r>
             <a:r>
               <a:rPr lang="en-US" sz="2800" dirty="0">
@@ -3765,7 +3765,7 @@
               <a:rPr lang="en-US" sz="2800" dirty="0" smtClean="0">
                 <a:latin typeface="Calibri" pitchFamily="34" charset="0"/>
               </a:rPr>
-              <a:t>2. </a:t>
+              <a:t>2 </a:t>
             </a:r>
             <a:r>
               <a:rPr lang="en-US" sz="2800" dirty="0">
@@ -3896,12 +3896,54 @@
           </a:p>
           <a:p>
             <a:pPr eaLnBrk="1" hangingPunct="1"/>
+            <a:r>
+              <a:rPr lang="en-US" sz="1800" dirty="0">
+                <a:latin typeface="Calibri" pitchFamily="34" charset="0"/>
+              </a:rPr>
+              <a:t> </a:t>
+            </a:r>
+            <a:r>
+              <a:rPr lang="en-US" sz="1800" dirty="0" smtClean="0">
+                <a:latin typeface="Calibri" pitchFamily="34" charset="0"/>
+              </a:rPr>
+              <a:t>     </a:t>
+            </a:r>
+          </a:p>
+          <a:p>
+            <a:pPr eaLnBrk="1" hangingPunct="1"/>
+            <a:r>
+              <a:rPr lang="en-US" sz="2800" dirty="0" smtClean="0">
+                <a:latin typeface="Calibri" pitchFamily="34" charset="0"/>
+              </a:rPr>
+              <a:t>Topic modelling is commonly used in Natural Language Processing (NLP) to reduce a large number of sparse features into dense and </a:t>
+            </a:r>
+            <a:r>
+              <a:rPr lang="en-US" sz="2800" dirty="0">
+                <a:latin typeface="Calibri" pitchFamily="34" charset="0"/>
+              </a:rPr>
+              <a:t>meaningful </a:t>
+            </a:r>
+            <a:r>
+              <a:rPr lang="en-US" sz="2800" dirty="0" smtClean="0">
+                <a:latin typeface="Calibri" pitchFamily="34" charset="0"/>
+              </a:rPr>
+              <a:t>topic</a:t>
+            </a:r>
+          </a:p>
+          <a:p>
+            <a:pPr eaLnBrk="1" hangingPunct="1"/>
             <a:endParaRPr lang="en-US" sz="2800" dirty="0">
               <a:latin typeface="Calibri" pitchFamily="34" charset="0"/>
             </a:endParaRPr>
           </a:p>
           <a:p>
             <a:pPr eaLnBrk="1" hangingPunct="1"/>
+            <a:endParaRPr lang="en-US" sz="2800" dirty="0">
+              <a:latin typeface="Calibri" pitchFamily="34" charset="0"/>
+            </a:endParaRPr>
+          </a:p>
+          <a:p>
+            <a:pPr eaLnBrk="1" hangingPunct="1"/>
             <a:endParaRPr lang="en-US" sz="2800" dirty="0" smtClean="0">
               <a:latin typeface="Calibri" pitchFamily="34" charset="0"/>
             </a:endParaRPr>
@@ -3962,13 +4004,49 @@
           </a:p>
           <a:p>
             <a:pPr eaLnBrk="1" hangingPunct="1"/>
-            <a:endParaRPr lang="en-US" sz="2800" dirty="0" smtClean="0">
+            <a:r>
+              <a:rPr lang="en-US" sz="1800" dirty="0">
+                <a:latin typeface="Calibri" pitchFamily="34" charset="0"/>
+              </a:rPr>
+              <a:t> </a:t>
+            </a:r>
+          </a:p>
+          <a:p>
+            <a:pPr eaLnBrk="1" hangingPunct="1"/>
+            <a:endParaRPr lang="en-US" sz="1800" dirty="0" smtClean="0">
               <a:latin typeface="Calibri" pitchFamily="34" charset="0"/>
             </a:endParaRPr>
           </a:p>
           <a:p>
             <a:pPr eaLnBrk="1" hangingPunct="1"/>
+            <a:r>
+              <a:rPr lang="en-US" sz="2800" dirty="0" smtClean="0">
+                <a:latin typeface="Calibri" pitchFamily="34" charset="0"/>
+              </a:rPr>
+              <a:t>Table 3 gives insight into the main “breakdown” of our text data. These topic classes became features in our main RNN model. </a:t>
+            </a:r>
+          </a:p>
+          <a:p>
+            <a:pPr eaLnBrk="1" hangingPunct="1"/>
             <a:endParaRPr lang="en-US" sz="2800" dirty="0">
+              <a:latin typeface="Calibri" pitchFamily="34" charset="0"/>
+            </a:endParaRPr>
+          </a:p>
+          <a:p>
+            <a:pPr eaLnBrk="1" hangingPunct="1"/>
+            <a:r>
+              <a:rPr lang="en-US" sz="2800" dirty="0" smtClean="0">
+                <a:latin typeface="Calibri" pitchFamily="34" charset="0"/>
+              </a:rPr>
+              <a:t>The RNN model used all current features, such as raw text data, hidden topics, and google trends to ultimately predict the closing </a:t>
+            </a:r>
+            <a:r>
+              <a:rPr lang="en-US" sz="2800" smtClean="0">
+                <a:latin typeface="Calibri" pitchFamily="34" charset="0"/>
+              </a:rPr>
+              <a:t>stock price.  </a:t>
+            </a:r>
+            <a:endParaRPr lang="en-US" sz="2800" dirty="0" smtClean="0">
               <a:latin typeface="Calibri" pitchFamily="34" charset="0"/>
             </a:endParaRPr>
           </a:p>
@@ -4018,7 +4096,7 @@
         </p:nvSpPr>
         <p:spPr>
           <a:xfrm>
-            <a:off x="1280160" y="11221885"/>
+            <a:off x="1280160" y="10972800"/>
             <a:ext cx="9692640" cy="685800"/>
           </a:xfrm>
           <a:prstGeom prst="rect">
@@ -4616,7 +4694,7 @@
         </p:nvSpPr>
         <p:spPr bwMode="auto">
           <a:xfrm>
-            <a:off x="1280160" y="11907687"/>
+            <a:off x="1280160" y="11658602"/>
             <a:ext cx="9692640" cy="6740260"/>
           </a:xfrm>
           <a:prstGeom prst="rect">
@@ -4999,7 +5077,7 @@
         </p:nvSpPr>
         <p:spPr bwMode="auto">
           <a:xfrm>
-            <a:off x="1263537" y="19961529"/>
+            <a:off x="1263537" y="19659600"/>
             <a:ext cx="9692640" cy="8772617"/>
           </a:xfrm>
           <a:prstGeom prst="rect">
@@ -5426,7 +5504,7 @@
         </p:nvSpPr>
         <p:spPr>
           <a:xfrm>
-            <a:off x="1263537" y="19275729"/>
+            <a:off x="1263537" y="18973800"/>
             <a:ext cx="9692640" cy="685800"/>
           </a:xfrm>
           <a:prstGeom prst="rect">
@@ -6394,7 +6472,7 @@
               <a:rPr lang="en-US" sz="1800" dirty="0" smtClean="0">
                 <a:latin typeface="Calibri" pitchFamily="34" charset="0"/>
               </a:rPr>
-              <a:t>Seagate.</a:t>
+              <a:t>Seagate. </a:t>
             </a:r>
           </a:p>
           <a:p>
@@ -6920,6 +6998,1663 @@
               <a:t>* Logistic regression model data not currently available</a:t>
             </a:r>
             <a:endParaRPr lang="en-US" sz="1400" dirty="0"/>
+          </a:p>
+        </p:txBody>
+      </p:sp>
+      <p:graphicFrame>
+        <p:nvGraphicFramePr>
+          <p:cNvPr id="56" name="Table 55"/>
+          <p:cNvGraphicFramePr>
+            <a:graphicFrameLocks noGrp="1"/>
+          </p:cNvGraphicFramePr>
+          <p:nvPr>
+            <p:extLst>
+              <p:ext uri="{D42A27DB-BD31-4B8C-83A1-F6EECF244321}">
+                <p14:modId xmlns:p14="http://schemas.microsoft.com/office/powerpoint/2010/main" val="1056915556"/>
+              </p:ext>
+            </p:extLst>
+          </p:nvPr>
+        </p:nvGraphicFramePr>
+        <p:xfrm>
+          <a:off x="12302359" y="19572418"/>
+          <a:ext cx="8805041" cy="3767855"/>
+        </p:xfrm>
+        <a:graphic>
+          <a:graphicData uri="http://schemas.openxmlformats.org/drawingml/2006/table">
+            <a:tbl>
+              <a:tblPr firstRow="1">
+                <a:tableStyleId>{5C22544A-7EE6-4342-B048-85BDC9FD1C3A}</a:tableStyleId>
+              </a:tblPr>
+              <a:tblGrid>
+                <a:gridCol w="1761008"/>
+                <a:gridCol w="1680252"/>
+                <a:gridCol w="1841764"/>
+                <a:gridCol w="1633362"/>
+                <a:gridCol w="1888655"/>
+              </a:tblGrid>
+              <a:tr h="538265">
+                <a:tc>
+                  <a:txBody>
+                    <a:bodyPr/>
+                    <a:lstStyle/>
+                    <a:p>
+                      <a:pPr algn="l"/>
+                      <a:r>
+                        <a:rPr lang="en-US" sz="2400" dirty="0" smtClean="0"/>
+                        <a:t>Topic</a:t>
+                      </a:r>
+                      <a:endParaRPr lang="en-US" sz="2400" dirty="0"/>
+                    </a:p>
+                  </a:txBody>
+                  <a:tcPr anchor="ctr">
+                    <a:lnL w="12700" cmpd="sng">
+                      <a:noFill/>
+                    </a:lnL>
+                    <a:lnR w="12700" cap="flat" cmpd="sng" algn="ctr">
+                      <a:solidFill>
+                        <a:schemeClr val="bg1"/>
+                      </a:solidFill>
+                      <a:prstDash val="solid"/>
+                      <a:round/>
+                      <a:headEnd type="none" w="med" len="med"/>
+                      <a:tailEnd type="none" w="med" len="med"/>
+                    </a:lnR>
+                    <a:lnT w="12700" cmpd="sng">
+                      <a:noFill/>
+                    </a:lnT>
+                    <a:lnB w="12700" cap="flat" cmpd="sng" algn="ctr">
+                      <a:solidFill>
+                        <a:schemeClr val="bg1"/>
+                      </a:solidFill>
+                      <a:prstDash val="solid"/>
+                      <a:round/>
+                      <a:headEnd type="none" w="med" len="med"/>
+                      <a:tailEnd type="none" w="med" len="med"/>
+                    </a:lnB>
+                    <a:lnTlToBr w="12700" cmpd="sng">
+                      <a:noFill/>
+                      <a:prstDash val="solid"/>
+                    </a:lnTlToBr>
+                    <a:lnBlToTr w="12700" cmpd="sng">
+                      <a:noFill/>
+                      <a:prstDash val="solid"/>
+                    </a:lnBlToTr>
+                  </a:tcPr>
+                </a:tc>
+                <a:tc>
+                  <a:txBody>
+                    <a:bodyPr/>
+                    <a:lstStyle/>
+                    <a:p>
+                      <a:pPr algn="l"/>
+                      <a:endParaRPr lang="en-US" sz="2400" dirty="0"/>
+                    </a:p>
+                  </a:txBody>
+                  <a:tcPr anchor="ctr">
+                    <a:lnL w="12700" cap="flat" cmpd="sng" algn="ctr">
+                      <a:solidFill>
+                        <a:schemeClr val="bg1"/>
+                      </a:solidFill>
+                      <a:prstDash val="solid"/>
+                      <a:round/>
+                      <a:headEnd type="none" w="med" len="med"/>
+                      <a:tailEnd type="none" w="med" len="med"/>
+                    </a:lnL>
+                    <a:lnR w="12700" cmpd="sng">
+                      <a:noFill/>
+                    </a:lnR>
+                    <a:lnT w="12700" cmpd="sng">
+                      <a:noFill/>
+                    </a:lnT>
+                    <a:lnB w="12700" cap="flat" cmpd="sng" algn="ctr">
+                      <a:solidFill>
+                        <a:schemeClr val="bg1"/>
+                      </a:solidFill>
+                      <a:prstDash val="solid"/>
+                      <a:round/>
+                      <a:headEnd type="none" w="med" len="med"/>
+                      <a:tailEnd type="none" w="med" len="med"/>
+                    </a:lnB>
+                    <a:lnTlToBr w="12700" cmpd="sng">
+                      <a:noFill/>
+                      <a:prstDash val="solid"/>
+                    </a:lnTlToBr>
+                    <a:lnBlToTr w="12700" cmpd="sng">
+                      <a:noFill/>
+                      <a:prstDash val="solid"/>
+                    </a:lnBlToTr>
+                  </a:tcPr>
+                </a:tc>
+                <a:tc>
+                  <a:txBody>
+                    <a:bodyPr/>
+                    <a:lstStyle/>
+                    <a:p>
+                      <a:pPr marL="0" algn="l" defTabSz="3291279" rtl="0" eaLnBrk="1" latinLnBrk="0" hangingPunct="1"/>
+                      <a:endParaRPr lang="en-US" sz="2400" dirty="0"/>
+                    </a:p>
+                  </a:txBody>
+                  <a:tcPr anchor="ctr">
+                    <a:lnL w="12700" cmpd="sng">
+                      <a:noFill/>
+                    </a:lnL>
+                    <a:lnR w="12700" cmpd="sng">
+                      <a:noFill/>
+                    </a:lnR>
+                    <a:lnT w="12700" cmpd="sng">
+                      <a:noFill/>
+                    </a:lnT>
+                    <a:lnB w="12700" cap="flat" cmpd="sng" algn="ctr">
+                      <a:solidFill>
+                        <a:schemeClr val="bg1"/>
+                      </a:solidFill>
+                      <a:prstDash val="solid"/>
+                      <a:round/>
+                      <a:headEnd type="none" w="med" len="med"/>
+                      <a:tailEnd type="none" w="med" len="med"/>
+                    </a:lnB>
+                    <a:lnTlToBr w="12700" cmpd="sng">
+                      <a:noFill/>
+                      <a:prstDash val="solid"/>
+                    </a:lnTlToBr>
+                    <a:lnBlToTr w="12700" cmpd="sng">
+                      <a:noFill/>
+                      <a:prstDash val="solid"/>
+                    </a:lnBlToTr>
+                  </a:tcPr>
+                </a:tc>
+                <a:tc>
+                  <a:txBody>
+                    <a:bodyPr/>
+                    <a:lstStyle/>
+                    <a:p>
+                      <a:pPr algn="l"/>
+                      <a:endParaRPr lang="en-US" sz="2400" dirty="0"/>
+                    </a:p>
+                  </a:txBody>
+                  <a:tcPr anchor="ctr">
+                    <a:lnL w="12700" cmpd="sng">
+                      <a:noFill/>
+                    </a:lnL>
+                    <a:lnR w="12700" cmpd="sng">
+                      <a:noFill/>
+                    </a:lnR>
+                    <a:lnT w="12700" cmpd="sng">
+                      <a:noFill/>
+                    </a:lnT>
+                    <a:lnB w="12700" cap="flat" cmpd="sng" algn="ctr">
+                      <a:solidFill>
+                        <a:schemeClr val="bg1"/>
+                      </a:solidFill>
+                      <a:prstDash val="solid"/>
+                      <a:round/>
+                      <a:headEnd type="none" w="med" len="med"/>
+                      <a:tailEnd type="none" w="med" len="med"/>
+                    </a:lnB>
+                    <a:lnTlToBr w="12700" cmpd="sng">
+                      <a:noFill/>
+                      <a:prstDash val="solid"/>
+                    </a:lnTlToBr>
+                    <a:lnBlToTr w="12700" cmpd="sng">
+                      <a:noFill/>
+                      <a:prstDash val="solid"/>
+                    </a:lnBlToTr>
+                  </a:tcPr>
+                </a:tc>
+                <a:tc>
+                  <a:txBody>
+                    <a:bodyPr/>
+                    <a:lstStyle/>
+                    <a:p>
+                      <a:pPr algn="r"/>
+                      <a:r>
+                        <a:rPr lang="en-US" sz="2400" dirty="0" smtClean="0"/>
+                        <a:t>Words</a:t>
+                      </a:r>
+                      <a:endParaRPr lang="en-US" sz="2400" dirty="0"/>
+                    </a:p>
+                  </a:txBody>
+                  <a:tcPr anchor="ctr">
+                    <a:lnL w="12700" cmpd="sng">
+                      <a:noFill/>
+                    </a:lnL>
+                    <a:lnR w="12700" cmpd="sng">
+                      <a:noFill/>
+                    </a:lnR>
+                    <a:lnT w="12700" cmpd="sng">
+                      <a:noFill/>
+                    </a:lnT>
+                    <a:lnB w="12700" cap="flat" cmpd="sng" algn="ctr">
+                      <a:solidFill>
+                        <a:schemeClr val="bg1"/>
+                      </a:solidFill>
+                      <a:prstDash val="solid"/>
+                      <a:round/>
+                      <a:headEnd type="none" w="med" len="med"/>
+                      <a:tailEnd type="none" w="med" len="med"/>
+                    </a:lnB>
+                    <a:lnTlToBr w="12700" cmpd="sng">
+                      <a:noFill/>
+                      <a:prstDash val="solid"/>
+                    </a:lnTlToBr>
+                    <a:lnBlToTr w="12700" cmpd="sng">
+                      <a:noFill/>
+                      <a:prstDash val="solid"/>
+                    </a:lnBlToTr>
+                  </a:tcPr>
+                </a:tc>
+              </a:tr>
+              <a:tr h="538265">
+                <a:tc>
+                  <a:txBody>
+                    <a:bodyPr/>
+                    <a:lstStyle/>
+                    <a:p>
+                      <a:pPr algn="l"/>
+                      <a:r>
+                        <a:rPr lang="en-US" sz="2100" dirty="0" smtClean="0"/>
+                        <a:t>Topic</a:t>
+                      </a:r>
+                      <a:r>
+                        <a:rPr lang="en-US" sz="2100" baseline="0" dirty="0" smtClean="0"/>
+                        <a:t> 1</a:t>
+                      </a:r>
+                      <a:endParaRPr lang="en-US" sz="2100" dirty="0"/>
+                    </a:p>
+                  </a:txBody>
+                  <a:tcPr anchor="ctr">
+                    <a:lnL w="12700" cmpd="sng">
+                      <a:noFill/>
+                    </a:lnL>
+                    <a:lnR w="12700" cap="flat" cmpd="sng" algn="ctr">
+                      <a:solidFill>
+                        <a:schemeClr val="bg1"/>
+                      </a:solidFill>
+                      <a:prstDash val="solid"/>
+                      <a:round/>
+                      <a:headEnd type="none" w="med" len="med"/>
+                      <a:tailEnd type="none" w="med" len="med"/>
+                    </a:lnR>
+                    <a:lnT w="12700" cap="flat" cmpd="sng" algn="ctr">
+                      <a:solidFill>
+                        <a:schemeClr val="bg1"/>
+                      </a:solidFill>
+                      <a:prstDash val="solid"/>
+                      <a:round/>
+                      <a:headEnd type="none" w="med" len="med"/>
+                      <a:tailEnd type="none" w="med" len="med"/>
+                    </a:lnT>
+                    <a:lnB w="12700" cmpd="sng">
+                      <a:noFill/>
+                    </a:lnB>
+                    <a:lnTlToBr w="12700" cmpd="sng">
+                      <a:noFill/>
+                      <a:prstDash val="solid"/>
+                    </a:lnTlToBr>
+                    <a:lnBlToTr w="12700" cmpd="sng">
+                      <a:noFill/>
+                      <a:prstDash val="solid"/>
+                    </a:lnBlToTr>
+                  </a:tcPr>
+                </a:tc>
+                <a:tc>
+                  <a:txBody>
+                    <a:bodyPr/>
+                    <a:lstStyle/>
+                    <a:p>
+                      <a:pPr algn="r"/>
+                      <a:r>
+                        <a:rPr lang="en-US" sz="2100" dirty="0" smtClean="0"/>
+                        <a:t>Devices     </a:t>
+                      </a:r>
+                      <a:endParaRPr lang="en-US" sz="2100" dirty="0"/>
+                    </a:p>
+                  </a:txBody>
+                  <a:tcPr anchor="ctr">
+                    <a:lnL w="12700" cap="flat" cmpd="sng" algn="ctr">
+                      <a:solidFill>
+                        <a:schemeClr val="bg1"/>
+                      </a:solidFill>
+                      <a:prstDash val="solid"/>
+                      <a:round/>
+                      <a:headEnd type="none" w="med" len="med"/>
+                      <a:tailEnd type="none" w="med" len="med"/>
+                    </a:lnL>
+                    <a:lnR w="12700" cmpd="sng">
+                      <a:noFill/>
+                    </a:lnR>
+                    <a:lnT w="12700" cap="flat" cmpd="sng" algn="ctr">
+                      <a:solidFill>
+                        <a:schemeClr val="bg1"/>
+                      </a:solidFill>
+                      <a:prstDash val="solid"/>
+                      <a:round/>
+                      <a:headEnd type="none" w="med" len="med"/>
+                      <a:tailEnd type="none" w="med" len="med"/>
+                    </a:lnT>
+                    <a:lnB w="12700" cmpd="sng">
+                      <a:noFill/>
+                    </a:lnB>
+                    <a:lnTlToBr w="12700" cmpd="sng">
+                      <a:noFill/>
+                      <a:prstDash val="solid"/>
+                    </a:lnTlToBr>
+                    <a:lnBlToTr w="12700" cmpd="sng">
+                      <a:noFill/>
+                      <a:prstDash val="solid"/>
+                    </a:lnBlToTr>
+                  </a:tcPr>
+                </a:tc>
+                <a:tc>
+                  <a:txBody>
+                    <a:bodyPr/>
+                    <a:lstStyle/>
+                    <a:p>
+                      <a:pPr algn="r"/>
+                      <a:r>
+                        <a:rPr lang="en-US" sz="2000" dirty="0" smtClean="0"/>
+                        <a:t>Share Buyback</a:t>
+                      </a:r>
+                      <a:endParaRPr lang="en-US" sz="2000" dirty="0"/>
+                    </a:p>
+                  </a:txBody>
+                  <a:tcPr anchor="ctr">
+                    <a:lnL w="12700" cmpd="sng">
+                      <a:noFill/>
+                    </a:lnL>
+                    <a:lnR w="12700" cmpd="sng">
+                      <a:noFill/>
+                    </a:lnR>
+                    <a:lnT w="12700" cap="flat" cmpd="sng" algn="ctr">
+                      <a:solidFill>
+                        <a:schemeClr val="bg1"/>
+                      </a:solidFill>
+                      <a:prstDash val="solid"/>
+                      <a:round/>
+                      <a:headEnd type="none" w="med" len="med"/>
+                      <a:tailEnd type="none" w="med" len="med"/>
+                    </a:lnT>
+                    <a:lnB w="12700" cmpd="sng">
+                      <a:noFill/>
+                    </a:lnB>
+                    <a:lnTlToBr w="12700" cmpd="sng">
+                      <a:noFill/>
+                      <a:prstDash val="solid"/>
+                    </a:lnTlToBr>
+                    <a:lnBlToTr w="12700" cmpd="sng">
+                      <a:noFill/>
+                      <a:prstDash val="solid"/>
+                    </a:lnBlToTr>
+                  </a:tcPr>
+                </a:tc>
+                <a:tc>
+                  <a:txBody>
+                    <a:bodyPr/>
+                    <a:lstStyle/>
+                    <a:p>
+                      <a:pPr algn="r"/>
+                      <a:r>
+                        <a:rPr lang="en-US" sz="2100" dirty="0" smtClean="0"/>
+                        <a:t>Strategic</a:t>
+                      </a:r>
+                      <a:endParaRPr lang="en-US" sz="2100" dirty="0"/>
+                    </a:p>
+                  </a:txBody>
+                  <a:tcPr anchor="ctr">
+                    <a:lnL w="12700" cmpd="sng">
+                      <a:noFill/>
+                    </a:lnL>
+                    <a:lnR w="12700" cmpd="sng">
+                      <a:noFill/>
+                    </a:lnR>
+                    <a:lnT w="12700" cap="flat" cmpd="sng" algn="ctr">
+                      <a:solidFill>
+                        <a:schemeClr val="bg1"/>
+                      </a:solidFill>
+                      <a:prstDash val="solid"/>
+                      <a:round/>
+                      <a:headEnd type="none" w="med" len="med"/>
+                      <a:tailEnd type="none" w="med" len="med"/>
+                    </a:lnT>
+                    <a:lnB w="12700" cmpd="sng">
+                      <a:noFill/>
+                    </a:lnB>
+                    <a:lnTlToBr w="12700" cmpd="sng">
+                      <a:noFill/>
+                      <a:prstDash val="solid"/>
+                    </a:lnTlToBr>
+                    <a:lnBlToTr w="12700" cmpd="sng">
+                      <a:noFill/>
+                      <a:prstDash val="solid"/>
+                    </a:lnBlToTr>
+                  </a:tcPr>
+                </a:tc>
+                <a:tc>
+                  <a:txBody>
+                    <a:bodyPr/>
+                    <a:lstStyle/>
+                    <a:p>
+                      <a:pPr algn="r"/>
+                      <a:r>
+                        <a:rPr lang="en-US" sz="2100" dirty="0" smtClean="0"/>
+                        <a:t>Win</a:t>
+                      </a:r>
+                      <a:endParaRPr lang="en-US" sz="2100" dirty="0"/>
+                    </a:p>
+                  </a:txBody>
+                  <a:tcPr anchor="ctr">
+                    <a:lnL w="12700" cmpd="sng">
+                      <a:noFill/>
+                    </a:lnL>
+                    <a:lnR w="12700" cmpd="sng">
+                      <a:noFill/>
+                    </a:lnR>
+                    <a:lnT w="12700" cap="flat" cmpd="sng" algn="ctr">
+                      <a:solidFill>
+                        <a:schemeClr val="bg1"/>
+                      </a:solidFill>
+                      <a:prstDash val="solid"/>
+                      <a:round/>
+                      <a:headEnd type="none" w="med" len="med"/>
+                      <a:tailEnd type="none" w="med" len="med"/>
+                    </a:lnT>
+                    <a:lnB w="12700" cmpd="sng">
+                      <a:noFill/>
+                    </a:lnB>
+                    <a:lnTlToBr w="12700" cmpd="sng">
+                      <a:noFill/>
+                      <a:prstDash val="solid"/>
+                    </a:lnTlToBr>
+                    <a:lnBlToTr w="12700" cmpd="sng">
+                      <a:noFill/>
+                      <a:prstDash val="solid"/>
+                    </a:lnBlToTr>
+                  </a:tcPr>
+                </a:tc>
+              </a:tr>
+              <a:tr h="538265">
+                <a:tc>
+                  <a:txBody>
+                    <a:bodyPr/>
+                    <a:lstStyle/>
+                    <a:p>
+                      <a:pPr algn="l"/>
+                      <a:r>
+                        <a:rPr lang="en-US" sz="2100" dirty="0" smtClean="0"/>
+                        <a:t>Topic 2</a:t>
+                      </a:r>
+                      <a:endParaRPr lang="en-US" sz="2100" dirty="0"/>
+                    </a:p>
+                  </a:txBody>
+                  <a:tcPr anchor="ctr">
+                    <a:lnL w="12700" cmpd="sng">
+                      <a:noFill/>
+                    </a:lnL>
+                    <a:lnR w="12700" cap="flat" cmpd="sng" algn="ctr">
+                      <a:solidFill>
+                        <a:schemeClr val="bg1"/>
+                      </a:solidFill>
+                      <a:prstDash val="solid"/>
+                      <a:round/>
+                      <a:headEnd type="none" w="med" len="med"/>
+                      <a:tailEnd type="none" w="med" len="med"/>
+                    </a:lnR>
+                    <a:lnT w="12700" cmpd="sng">
+                      <a:noFill/>
+                    </a:lnT>
+                    <a:lnB w="12700" cmpd="sng">
+                      <a:noFill/>
+                    </a:lnB>
+                    <a:lnTlToBr w="12700" cmpd="sng">
+                      <a:noFill/>
+                      <a:prstDash val="solid"/>
+                    </a:lnTlToBr>
+                    <a:lnBlToTr w="12700" cmpd="sng">
+                      <a:noFill/>
+                      <a:prstDash val="solid"/>
+                    </a:lnBlToTr>
+                  </a:tcPr>
+                </a:tc>
+                <a:tc>
+                  <a:txBody>
+                    <a:bodyPr/>
+                    <a:lstStyle/>
+                    <a:p>
+                      <a:pPr algn="r"/>
+                      <a:r>
+                        <a:rPr lang="en-US" sz="2100" dirty="0" smtClean="0"/>
+                        <a:t>Price</a:t>
+                      </a:r>
+                      <a:endParaRPr lang="en-US" sz="2100" dirty="0"/>
+                    </a:p>
+                  </a:txBody>
+                  <a:tcPr anchor="ctr">
+                    <a:lnL w="12700" cap="flat" cmpd="sng" algn="ctr">
+                      <a:solidFill>
+                        <a:schemeClr val="bg1"/>
+                      </a:solidFill>
+                      <a:prstDash val="solid"/>
+                      <a:round/>
+                      <a:headEnd type="none" w="med" len="med"/>
+                      <a:tailEnd type="none" w="med" len="med"/>
+                    </a:lnL>
+                    <a:lnR w="12700" cmpd="sng">
+                      <a:noFill/>
+                    </a:lnR>
+                    <a:lnT w="12700" cmpd="sng">
+                      <a:noFill/>
+                    </a:lnT>
+                    <a:lnB w="12700" cmpd="sng">
+                      <a:noFill/>
+                    </a:lnB>
+                    <a:lnTlToBr w="12700" cmpd="sng">
+                      <a:noFill/>
+                      <a:prstDash val="solid"/>
+                    </a:lnTlToBr>
+                    <a:lnBlToTr w="12700" cmpd="sng">
+                      <a:noFill/>
+                      <a:prstDash val="solid"/>
+                    </a:lnBlToTr>
+                  </a:tcPr>
+                </a:tc>
+                <a:tc>
+                  <a:txBody>
+                    <a:bodyPr/>
+                    <a:lstStyle/>
+                    <a:p>
+                      <a:pPr algn="r"/>
+                      <a:r>
+                        <a:rPr lang="en-US" sz="2100" dirty="0" smtClean="0"/>
+                        <a:t>Provided</a:t>
+                      </a:r>
+                      <a:endParaRPr lang="en-US" sz="2100" dirty="0"/>
+                    </a:p>
+                  </a:txBody>
+                  <a:tcPr anchor="ctr">
+                    <a:lnL w="12700" cmpd="sng">
+                      <a:noFill/>
+                    </a:lnL>
+                    <a:lnR w="12700" cmpd="sng">
+                      <a:noFill/>
+                    </a:lnR>
+                    <a:lnT w="12700" cmpd="sng">
+                      <a:noFill/>
+                    </a:lnT>
+                    <a:lnB w="12700" cmpd="sng">
+                      <a:noFill/>
+                    </a:lnB>
+                    <a:lnTlToBr w="12700" cmpd="sng">
+                      <a:noFill/>
+                      <a:prstDash val="solid"/>
+                    </a:lnTlToBr>
+                    <a:lnBlToTr w="12700" cmpd="sng">
+                      <a:noFill/>
+                      <a:prstDash val="solid"/>
+                    </a:lnBlToTr>
+                  </a:tcPr>
+                </a:tc>
+                <a:tc>
+                  <a:txBody>
+                    <a:bodyPr/>
+                    <a:lstStyle/>
+                    <a:p>
+                      <a:pPr algn="r"/>
+                      <a:r>
+                        <a:rPr lang="en-US" sz="2100" dirty="0" smtClean="0"/>
+                        <a:t>Buy right</a:t>
+                      </a:r>
+                      <a:endParaRPr lang="en-US" sz="2100" dirty="0"/>
+                    </a:p>
+                  </a:txBody>
+                  <a:tcPr anchor="ctr">
+                    <a:lnL w="12700" cmpd="sng">
+                      <a:noFill/>
+                    </a:lnL>
+                    <a:lnR w="12700" cmpd="sng">
+                      <a:noFill/>
+                    </a:lnR>
+                    <a:lnT w="12700" cmpd="sng">
+                      <a:noFill/>
+                    </a:lnT>
+                    <a:lnB w="12700" cmpd="sng">
+                      <a:noFill/>
+                    </a:lnB>
+                    <a:lnTlToBr w="12700" cmpd="sng">
+                      <a:noFill/>
+                      <a:prstDash val="solid"/>
+                    </a:lnTlToBr>
+                    <a:lnBlToTr w="12700" cmpd="sng">
+                      <a:noFill/>
+                      <a:prstDash val="solid"/>
+                    </a:lnBlToTr>
+                  </a:tcPr>
+                </a:tc>
+                <a:tc>
+                  <a:txBody>
+                    <a:bodyPr/>
+                    <a:lstStyle/>
+                    <a:p>
+                      <a:pPr algn="r"/>
+                      <a:r>
+                        <a:rPr lang="en-US" sz="2100" dirty="0" smtClean="0"/>
+                        <a:t>Revenues</a:t>
+                      </a:r>
+                      <a:endParaRPr lang="en-US" sz="2100" dirty="0"/>
+                    </a:p>
+                  </a:txBody>
+                  <a:tcPr anchor="ctr">
+                    <a:lnL w="12700" cmpd="sng">
+                      <a:noFill/>
+                    </a:lnL>
+                    <a:lnR w="12700" cmpd="sng">
+                      <a:noFill/>
+                    </a:lnR>
+                    <a:lnT w="12700" cmpd="sng">
+                      <a:noFill/>
+                    </a:lnT>
+                    <a:lnB w="12700" cmpd="sng">
+                      <a:noFill/>
+                    </a:lnB>
+                    <a:lnTlToBr w="12700" cmpd="sng">
+                      <a:noFill/>
+                      <a:prstDash val="solid"/>
+                    </a:lnTlToBr>
+                    <a:lnBlToTr w="12700" cmpd="sng">
+                      <a:noFill/>
+                      <a:prstDash val="solid"/>
+                    </a:lnBlToTr>
+                  </a:tcPr>
+                </a:tc>
+              </a:tr>
+              <a:tr h="538265">
+                <a:tc>
+                  <a:txBody>
+                    <a:bodyPr/>
+                    <a:lstStyle/>
+                    <a:p>
+                      <a:pPr algn="l"/>
+                      <a:r>
+                        <a:rPr lang="en-US" sz="2100" dirty="0" smtClean="0"/>
+                        <a:t>Topic 3</a:t>
+                      </a:r>
+                      <a:endParaRPr lang="en-US" sz="2100" dirty="0"/>
+                    </a:p>
+                  </a:txBody>
+                  <a:tcPr anchor="ctr">
+                    <a:lnL w="12700" cmpd="sng">
+                      <a:noFill/>
+                    </a:lnL>
+                    <a:lnR w="12700" cap="flat" cmpd="sng" algn="ctr">
+                      <a:solidFill>
+                        <a:schemeClr val="bg1"/>
+                      </a:solidFill>
+                      <a:prstDash val="solid"/>
+                      <a:round/>
+                      <a:headEnd type="none" w="med" len="med"/>
+                      <a:tailEnd type="none" w="med" len="med"/>
+                    </a:lnR>
+                    <a:lnT w="12700" cmpd="sng">
+                      <a:noFill/>
+                    </a:lnT>
+                    <a:lnB w="12700" cmpd="sng">
+                      <a:noFill/>
+                    </a:lnB>
+                    <a:lnTlToBr w="12700" cmpd="sng">
+                      <a:noFill/>
+                      <a:prstDash val="solid"/>
+                    </a:lnTlToBr>
+                    <a:lnBlToTr w="12700" cmpd="sng">
+                      <a:noFill/>
+                      <a:prstDash val="solid"/>
+                    </a:lnBlToTr>
+                  </a:tcPr>
+                </a:tc>
+                <a:tc>
+                  <a:txBody>
+                    <a:bodyPr/>
+                    <a:lstStyle/>
+                    <a:p>
+                      <a:pPr algn="r"/>
+                      <a:r>
+                        <a:rPr lang="en-US" sz="2100" dirty="0" smtClean="0"/>
+                        <a:t>Company</a:t>
+                      </a:r>
+                      <a:endParaRPr lang="en-US" sz="2100" dirty="0"/>
+                    </a:p>
+                  </a:txBody>
+                  <a:tcPr anchor="ctr">
+                    <a:lnL w="12700" cap="flat" cmpd="sng" algn="ctr">
+                      <a:solidFill>
+                        <a:schemeClr val="bg1"/>
+                      </a:solidFill>
+                      <a:prstDash val="solid"/>
+                      <a:round/>
+                      <a:headEnd type="none" w="med" len="med"/>
+                      <a:tailEnd type="none" w="med" len="med"/>
+                    </a:lnL>
+                    <a:lnR w="12700" cmpd="sng">
+                      <a:noFill/>
+                    </a:lnR>
+                    <a:lnT w="12700" cmpd="sng">
+                      <a:noFill/>
+                    </a:lnT>
+                    <a:lnB w="12700" cmpd="sng">
+                      <a:noFill/>
+                    </a:lnB>
+                    <a:lnTlToBr w="12700" cmpd="sng">
+                      <a:noFill/>
+                      <a:prstDash val="solid"/>
+                    </a:lnTlToBr>
+                    <a:lnBlToTr w="12700" cmpd="sng">
+                      <a:noFill/>
+                      <a:prstDash val="solid"/>
+                    </a:lnBlToTr>
+                  </a:tcPr>
+                </a:tc>
+                <a:tc>
+                  <a:txBody>
+                    <a:bodyPr/>
+                    <a:lstStyle/>
+                    <a:p>
+                      <a:pPr algn="r"/>
+                      <a:r>
+                        <a:rPr lang="en-US" sz="2100" dirty="0" smtClean="0"/>
+                        <a:t>Stock</a:t>
+                      </a:r>
+                      <a:endParaRPr lang="en-US" sz="2100" dirty="0"/>
+                    </a:p>
+                  </a:txBody>
+                  <a:tcPr anchor="ctr">
+                    <a:lnL w="12700" cmpd="sng">
+                      <a:noFill/>
+                    </a:lnL>
+                    <a:lnR w="12700" cmpd="sng">
+                      <a:noFill/>
+                    </a:lnR>
+                    <a:lnT w="12700" cmpd="sng">
+                      <a:noFill/>
+                    </a:lnT>
+                    <a:lnB w="12700" cmpd="sng">
+                      <a:noFill/>
+                    </a:lnB>
+                    <a:lnTlToBr w="12700" cmpd="sng">
+                      <a:noFill/>
+                      <a:prstDash val="solid"/>
+                    </a:lnTlToBr>
+                    <a:lnBlToTr w="12700" cmpd="sng">
+                      <a:noFill/>
+                      <a:prstDash val="solid"/>
+                    </a:lnBlToTr>
+                  </a:tcPr>
+                </a:tc>
+                <a:tc>
+                  <a:txBody>
+                    <a:bodyPr/>
+                    <a:lstStyle/>
+                    <a:p>
+                      <a:pPr algn="r"/>
+                      <a:r>
+                        <a:rPr lang="en-US" sz="2100" dirty="0" smtClean="0"/>
+                        <a:t>Market</a:t>
+                      </a:r>
+                      <a:endParaRPr lang="en-US" sz="2100" dirty="0"/>
+                    </a:p>
+                  </a:txBody>
+                  <a:tcPr anchor="ctr">
+                    <a:lnL w="12700" cmpd="sng">
+                      <a:noFill/>
+                    </a:lnL>
+                    <a:lnR w="12700" cmpd="sng">
+                      <a:noFill/>
+                    </a:lnR>
+                    <a:lnT w="12700" cmpd="sng">
+                      <a:noFill/>
+                    </a:lnT>
+                    <a:lnB w="12700" cmpd="sng">
+                      <a:noFill/>
+                    </a:lnB>
+                    <a:lnTlToBr w="12700" cmpd="sng">
+                      <a:noFill/>
+                      <a:prstDash val="solid"/>
+                    </a:lnTlToBr>
+                    <a:lnBlToTr w="12700" cmpd="sng">
+                      <a:noFill/>
+                      <a:prstDash val="solid"/>
+                    </a:lnBlToTr>
+                  </a:tcPr>
+                </a:tc>
+                <a:tc>
+                  <a:txBody>
+                    <a:bodyPr/>
+                    <a:lstStyle/>
+                    <a:p>
+                      <a:pPr algn="r"/>
+                      <a:r>
+                        <a:rPr lang="en-US" sz="2100" dirty="0" smtClean="0"/>
+                        <a:t>NYSE</a:t>
+                      </a:r>
+                      <a:endParaRPr lang="en-US" sz="2100" dirty="0"/>
+                    </a:p>
+                  </a:txBody>
+                  <a:tcPr anchor="ctr">
+                    <a:lnL w="12700" cmpd="sng">
+                      <a:noFill/>
+                    </a:lnL>
+                    <a:lnR w="12700" cmpd="sng">
+                      <a:noFill/>
+                    </a:lnR>
+                    <a:lnT w="12700" cmpd="sng">
+                      <a:noFill/>
+                    </a:lnT>
+                    <a:lnB w="12700" cmpd="sng">
+                      <a:noFill/>
+                    </a:lnB>
+                    <a:lnTlToBr w="12700" cmpd="sng">
+                      <a:noFill/>
+                      <a:prstDash val="solid"/>
+                    </a:lnTlToBr>
+                    <a:lnBlToTr w="12700" cmpd="sng">
+                      <a:noFill/>
+                      <a:prstDash val="solid"/>
+                    </a:lnBlToTr>
+                  </a:tcPr>
+                </a:tc>
+              </a:tr>
+              <a:tr h="538265">
+                <a:tc>
+                  <a:txBody>
+                    <a:bodyPr/>
+                    <a:lstStyle/>
+                    <a:p>
+                      <a:pPr algn="l"/>
+                      <a:r>
+                        <a:rPr lang="en-US" sz="2100" dirty="0" smtClean="0"/>
+                        <a:t>Topic 4</a:t>
+                      </a:r>
+                      <a:endParaRPr lang="en-US" sz="2100" dirty="0"/>
+                    </a:p>
+                  </a:txBody>
+                  <a:tcPr anchor="ctr">
+                    <a:lnL w="12700" cmpd="sng">
+                      <a:noFill/>
+                    </a:lnL>
+                    <a:lnR w="12700" cap="flat" cmpd="sng" algn="ctr">
+                      <a:solidFill>
+                        <a:schemeClr val="bg1"/>
+                      </a:solidFill>
+                      <a:prstDash val="solid"/>
+                      <a:round/>
+                      <a:headEnd type="none" w="med" len="med"/>
+                      <a:tailEnd type="none" w="med" len="med"/>
+                    </a:lnR>
+                    <a:lnT w="12700" cmpd="sng">
+                      <a:noFill/>
+                    </a:lnT>
+                    <a:lnB w="12700" cmpd="sng">
+                      <a:noFill/>
+                    </a:lnB>
+                    <a:lnTlToBr w="12700" cmpd="sng">
+                      <a:noFill/>
+                      <a:prstDash val="solid"/>
+                    </a:lnTlToBr>
+                    <a:lnBlToTr w="12700" cmpd="sng">
+                      <a:noFill/>
+                      <a:prstDash val="solid"/>
+                    </a:lnBlToTr>
+                  </a:tcPr>
+                </a:tc>
+                <a:tc>
+                  <a:txBody>
+                    <a:bodyPr/>
+                    <a:lstStyle/>
+                    <a:p>
+                      <a:pPr algn="r"/>
+                      <a:r>
+                        <a:rPr lang="en-US" sz="2100" dirty="0" smtClean="0"/>
+                        <a:t>Packard</a:t>
+                      </a:r>
+                      <a:endParaRPr lang="en-US" sz="2100" dirty="0"/>
+                    </a:p>
+                  </a:txBody>
+                  <a:tcPr anchor="ctr">
+                    <a:lnL w="12700" cap="flat" cmpd="sng" algn="ctr">
+                      <a:solidFill>
+                        <a:schemeClr val="bg1"/>
+                      </a:solidFill>
+                      <a:prstDash val="solid"/>
+                      <a:round/>
+                      <a:headEnd type="none" w="med" len="med"/>
+                      <a:tailEnd type="none" w="med" len="med"/>
+                    </a:lnL>
+                    <a:lnR w="12700" cmpd="sng">
+                      <a:noFill/>
+                    </a:lnR>
+                    <a:lnT w="12700" cmpd="sng">
+                      <a:noFill/>
+                    </a:lnT>
+                    <a:lnB w="12700" cmpd="sng">
+                      <a:noFill/>
+                    </a:lnB>
+                    <a:lnTlToBr w="12700" cmpd="sng">
+                      <a:noFill/>
+                      <a:prstDash val="solid"/>
+                    </a:lnTlToBr>
+                    <a:lnBlToTr w="12700" cmpd="sng">
+                      <a:noFill/>
+                      <a:prstDash val="solid"/>
+                    </a:lnBlToTr>
+                  </a:tcPr>
+                </a:tc>
+                <a:tc>
+                  <a:txBody>
+                    <a:bodyPr/>
+                    <a:lstStyle/>
+                    <a:p>
+                      <a:pPr algn="r"/>
+                      <a:r>
+                        <a:rPr lang="en-US" sz="2100" dirty="0" smtClean="0"/>
+                        <a:t>Buying</a:t>
+                      </a:r>
+                      <a:endParaRPr lang="en-US" sz="2100" dirty="0"/>
+                    </a:p>
+                  </a:txBody>
+                  <a:tcPr anchor="ctr">
+                    <a:lnL w="12700" cmpd="sng">
+                      <a:noFill/>
+                    </a:lnL>
+                    <a:lnR w="12700" cmpd="sng">
+                      <a:noFill/>
+                    </a:lnR>
+                    <a:lnT w="12700" cmpd="sng">
+                      <a:noFill/>
+                    </a:lnT>
+                    <a:lnB w="12700" cmpd="sng">
+                      <a:noFill/>
+                    </a:lnB>
+                    <a:lnTlToBr w="12700" cmpd="sng">
+                      <a:noFill/>
+                      <a:prstDash val="solid"/>
+                    </a:lnTlToBr>
+                    <a:lnBlToTr w="12700" cmpd="sng">
+                      <a:noFill/>
+                      <a:prstDash val="solid"/>
+                    </a:lnBlToTr>
+                  </a:tcPr>
+                </a:tc>
+                <a:tc>
+                  <a:txBody>
+                    <a:bodyPr/>
+                    <a:lstStyle/>
+                    <a:p>
+                      <a:pPr algn="r"/>
+                      <a:r>
+                        <a:rPr lang="en-US" sz="2100" dirty="0" smtClean="0"/>
+                        <a:t>Company</a:t>
+                      </a:r>
+                      <a:endParaRPr lang="en-US" sz="2100" dirty="0"/>
+                    </a:p>
+                  </a:txBody>
+                  <a:tcPr anchor="ctr">
+                    <a:lnL w="12700" cmpd="sng">
+                      <a:noFill/>
+                    </a:lnL>
+                    <a:lnR w="12700" cmpd="sng">
+                      <a:noFill/>
+                    </a:lnR>
+                    <a:lnT w="12700" cmpd="sng">
+                      <a:noFill/>
+                    </a:lnT>
+                    <a:lnB w="12700" cmpd="sng">
+                      <a:noFill/>
+                    </a:lnB>
+                    <a:lnTlToBr w="12700" cmpd="sng">
+                      <a:noFill/>
+                      <a:prstDash val="solid"/>
+                    </a:lnTlToBr>
+                    <a:lnBlToTr w="12700" cmpd="sng">
+                      <a:noFill/>
+                      <a:prstDash val="solid"/>
+                    </a:lnBlToTr>
+                  </a:tcPr>
+                </a:tc>
+                <a:tc>
+                  <a:txBody>
+                    <a:bodyPr/>
+                    <a:lstStyle/>
+                    <a:p>
+                      <a:pPr algn="r"/>
+                      <a:r>
+                        <a:rPr lang="en-US" sz="2100" dirty="0" smtClean="0"/>
+                        <a:t>IBM</a:t>
+                      </a:r>
+                      <a:endParaRPr lang="en-US" sz="2100" dirty="0"/>
+                    </a:p>
+                  </a:txBody>
+                  <a:tcPr anchor="ctr">
+                    <a:lnL w="12700" cmpd="sng">
+                      <a:noFill/>
+                    </a:lnL>
+                    <a:lnR w="12700" cmpd="sng">
+                      <a:noFill/>
+                    </a:lnR>
+                    <a:lnT w="12700" cmpd="sng">
+                      <a:noFill/>
+                    </a:lnT>
+                    <a:lnB w="12700" cmpd="sng">
+                      <a:noFill/>
+                    </a:lnB>
+                    <a:lnTlToBr w="12700" cmpd="sng">
+                      <a:noFill/>
+                      <a:prstDash val="solid"/>
+                    </a:lnTlToBr>
+                    <a:lnBlToTr w="12700" cmpd="sng">
+                      <a:noFill/>
+                      <a:prstDash val="solid"/>
+                    </a:lnBlToTr>
+                  </a:tcPr>
+                </a:tc>
+              </a:tr>
+              <a:tr h="538265">
+                <a:tc>
+                  <a:txBody>
+                    <a:bodyPr/>
+                    <a:lstStyle/>
+                    <a:p>
+                      <a:pPr algn="l"/>
+                      <a:r>
+                        <a:rPr lang="en-US" sz="2200" dirty="0" smtClean="0"/>
+                        <a:t>Topic 5</a:t>
+                      </a:r>
+                      <a:endParaRPr lang="en-US" sz="2200" dirty="0"/>
+                    </a:p>
+                  </a:txBody>
+                  <a:tcPr anchor="ctr">
+                    <a:lnL w="12700" cmpd="sng">
+                      <a:noFill/>
+                    </a:lnL>
+                    <a:lnR w="12700" cap="flat" cmpd="sng" algn="ctr">
+                      <a:solidFill>
+                        <a:schemeClr val="bg1"/>
+                      </a:solidFill>
+                      <a:prstDash val="solid"/>
+                      <a:round/>
+                      <a:headEnd type="none" w="med" len="med"/>
+                      <a:tailEnd type="none" w="med" len="med"/>
+                    </a:lnR>
+                    <a:lnT w="12700" cmpd="sng">
+                      <a:noFill/>
+                    </a:lnT>
+                    <a:lnB w="12700" cmpd="sng">
+                      <a:noFill/>
+                    </a:lnB>
+                    <a:lnTlToBr w="12700" cmpd="sng">
+                      <a:noFill/>
+                      <a:prstDash val="solid"/>
+                    </a:lnTlToBr>
+                    <a:lnBlToTr w="12700" cmpd="sng">
+                      <a:noFill/>
+                      <a:prstDash val="solid"/>
+                    </a:lnBlToTr>
+                  </a:tcPr>
+                </a:tc>
+                <a:tc>
+                  <a:txBody>
+                    <a:bodyPr/>
+                    <a:lstStyle/>
+                    <a:p>
+                      <a:pPr algn="r"/>
+                      <a:r>
+                        <a:rPr lang="en-US" sz="2200" dirty="0" smtClean="0"/>
+                        <a:t>Revenue</a:t>
+                      </a:r>
+                      <a:endParaRPr lang="en-US" sz="2200" dirty="0"/>
+                    </a:p>
+                  </a:txBody>
+                  <a:tcPr anchor="ctr">
+                    <a:lnL w="12700" cap="flat" cmpd="sng" algn="ctr">
+                      <a:solidFill>
+                        <a:schemeClr val="bg1"/>
+                      </a:solidFill>
+                      <a:prstDash val="solid"/>
+                      <a:round/>
+                      <a:headEnd type="none" w="med" len="med"/>
+                      <a:tailEnd type="none" w="med" len="med"/>
+                    </a:lnL>
+                    <a:lnR w="12700" cmpd="sng">
+                      <a:noFill/>
+                    </a:lnR>
+                    <a:lnT w="12700" cmpd="sng">
+                      <a:noFill/>
+                    </a:lnT>
+                    <a:lnB w="12700" cmpd="sng">
+                      <a:noFill/>
+                    </a:lnB>
+                    <a:lnTlToBr w="12700" cmpd="sng">
+                      <a:noFill/>
+                      <a:prstDash val="solid"/>
+                    </a:lnTlToBr>
+                    <a:lnBlToTr w="12700" cmpd="sng">
+                      <a:noFill/>
+                      <a:prstDash val="solid"/>
+                    </a:lnBlToTr>
+                  </a:tcPr>
+                </a:tc>
+                <a:tc>
+                  <a:txBody>
+                    <a:bodyPr/>
+                    <a:lstStyle/>
+                    <a:p>
+                      <a:pPr algn="r"/>
+                      <a:r>
+                        <a:rPr lang="en-US" sz="2200" dirty="0" smtClean="0"/>
+                        <a:t>Year</a:t>
+                      </a:r>
+                      <a:endParaRPr lang="en-US" sz="2200" dirty="0"/>
+                    </a:p>
+                  </a:txBody>
+                  <a:tcPr anchor="ctr">
+                    <a:lnL w="12700" cmpd="sng">
+                      <a:noFill/>
+                    </a:lnL>
+                    <a:lnR w="12700" cmpd="sng">
+                      <a:noFill/>
+                    </a:lnR>
+                    <a:lnT w="12700" cmpd="sng">
+                      <a:noFill/>
+                    </a:lnT>
+                    <a:lnB w="12700" cmpd="sng">
+                      <a:noFill/>
+                    </a:lnB>
+                    <a:lnTlToBr w="12700" cmpd="sng">
+                      <a:noFill/>
+                      <a:prstDash val="solid"/>
+                    </a:lnTlToBr>
+                    <a:lnBlToTr w="12700" cmpd="sng">
+                      <a:noFill/>
+                      <a:prstDash val="solid"/>
+                    </a:lnBlToTr>
+                  </a:tcPr>
+                </a:tc>
+                <a:tc>
+                  <a:txBody>
+                    <a:bodyPr/>
+                    <a:lstStyle/>
+                    <a:p>
+                      <a:pPr algn="r"/>
+                      <a:r>
+                        <a:rPr lang="en-US" sz="2200" dirty="0" smtClean="0"/>
+                        <a:t>New</a:t>
+                      </a:r>
+                      <a:endParaRPr lang="en-US" sz="2200" dirty="0"/>
+                    </a:p>
+                  </a:txBody>
+                  <a:tcPr anchor="ctr">
+                    <a:lnL w="12700" cmpd="sng">
+                      <a:noFill/>
+                    </a:lnL>
+                    <a:lnR w="12700" cmpd="sng">
+                      <a:noFill/>
+                    </a:lnR>
+                    <a:lnT w="12700" cmpd="sng">
+                      <a:noFill/>
+                    </a:lnT>
+                    <a:lnB w="12700" cmpd="sng">
+                      <a:noFill/>
+                    </a:lnB>
+                    <a:lnTlToBr w="12700" cmpd="sng">
+                      <a:noFill/>
+                      <a:prstDash val="solid"/>
+                    </a:lnTlToBr>
+                    <a:lnBlToTr w="12700" cmpd="sng">
+                      <a:noFill/>
+                      <a:prstDash val="solid"/>
+                    </a:lnBlToTr>
+                  </a:tcPr>
+                </a:tc>
+                <a:tc>
+                  <a:txBody>
+                    <a:bodyPr/>
+                    <a:lstStyle/>
+                    <a:p>
+                      <a:pPr algn="r"/>
+                      <a:r>
+                        <a:rPr lang="en-US" sz="2200" dirty="0" smtClean="0"/>
+                        <a:t>Development</a:t>
+                      </a:r>
+                      <a:endParaRPr lang="en-US" sz="2200" dirty="0"/>
+                    </a:p>
+                  </a:txBody>
+                  <a:tcPr anchor="ctr">
+                    <a:lnL w="12700" cmpd="sng">
+                      <a:noFill/>
+                    </a:lnL>
+                    <a:lnR w="12700" cmpd="sng">
+                      <a:noFill/>
+                    </a:lnR>
+                    <a:lnT w="12700" cmpd="sng">
+                      <a:noFill/>
+                    </a:lnT>
+                    <a:lnB w="12700" cmpd="sng">
+                      <a:noFill/>
+                    </a:lnB>
+                    <a:lnTlToBr w="12700" cmpd="sng">
+                      <a:noFill/>
+                      <a:prstDash val="solid"/>
+                    </a:lnTlToBr>
+                    <a:lnBlToTr w="12700" cmpd="sng">
+                      <a:noFill/>
+                      <a:prstDash val="solid"/>
+                    </a:lnBlToTr>
+                  </a:tcPr>
+                </a:tc>
+              </a:tr>
+              <a:tr h="538265">
+                <a:tc>
+                  <a:txBody>
+                    <a:bodyPr/>
+                    <a:lstStyle/>
+                    <a:p>
+                      <a:pPr algn="l"/>
+                      <a:r>
+                        <a:rPr lang="en-US" sz="2200" dirty="0" smtClean="0"/>
+                        <a:t>Topic</a:t>
+                      </a:r>
+                      <a:r>
+                        <a:rPr lang="en-US" sz="2200" baseline="0" dirty="0" smtClean="0"/>
+                        <a:t> 6</a:t>
+                      </a:r>
+                      <a:endParaRPr lang="en-US" sz="2200" dirty="0"/>
+                    </a:p>
+                  </a:txBody>
+                  <a:tcPr anchor="ctr">
+                    <a:lnL w="12700" cmpd="sng">
+                      <a:noFill/>
+                    </a:lnL>
+                    <a:lnR w="12700" cap="flat" cmpd="sng" algn="ctr">
+                      <a:solidFill>
+                        <a:schemeClr val="bg1"/>
+                      </a:solidFill>
+                      <a:prstDash val="solid"/>
+                      <a:round/>
+                      <a:headEnd type="none" w="med" len="med"/>
+                      <a:tailEnd type="none" w="med" len="med"/>
+                    </a:lnR>
+                    <a:lnT w="12700" cmpd="sng">
+                      <a:noFill/>
+                    </a:lnT>
+                    <a:lnB w="12700" cmpd="sng">
+                      <a:noFill/>
+                    </a:lnB>
+                    <a:lnTlToBr w="12700" cmpd="sng">
+                      <a:noFill/>
+                      <a:prstDash val="solid"/>
+                    </a:lnTlToBr>
+                    <a:lnBlToTr w="12700" cmpd="sng">
+                      <a:noFill/>
+                      <a:prstDash val="solid"/>
+                    </a:lnBlToTr>
+                  </a:tcPr>
+                </a:tc>
+                <a:tc>
+                  <a:txBody>
+                    <a:bodyPr/>
+                    <a:lstStyle/>
+                    <a:p>
+                      <a:pPr algn="r"/>
+                      <a:r>
+                        <a:rPr lang="en-US" sz="2200" dirty="0" smtClean="0"/>
+                        <a:t>IBM</a:t>
+                      </a:r>
+                      <a:endParaRPr lang="en-US" sz="2200" dirty="0"/>
+                    </a:p>
+                  </a:txBody>
+                  <a:tcPr anchor="ctr">
+                    <a:lnL w="12700" cap="flat" cmpd="sng" algn="ctr">
+                      <a:solidFill>
+                        <a:schemeClr val="bg1"/>
+                      </a:solidFill>
+                      <a:prstDash val="solid"/>
+                      <a:round/>
+                      <a:headEnd type="none" w="med" len="med"/>
+                      <a:tailEnd type="none" w="med" len="med"/>
+                    </a:lnL>
+                    <a:lnR w="12700" cmpd="sng">
+                      <a:noFill/>
+                    </a:lnR>
+                    <a:lnT w="12700" cmpd="sng">
+                      <a:noFill/>
+                    </a:lnT>
+                    <a:lnB w="12700" cmpd="sng">
+                      <a:noFill/>
+                    </a:lnB>
+                    <a:lnTlToBr w="12700" cmpd="sng">
+                      <a:noFill/>
+                      <a:prstDash val="solid"/>
+                    </a:lnTlToBr>
+                    <a:lnBlToTr w="12700" cmpd="sng">
+                      <a:noFill/>
+                      <a:prstDash val="solid"/>
+                    </a:lnBlToTr>
+                  </a:tcPr>
+                </a:tc>
+                <a:tc>
+                  <a:txBody>
+                    <a:bodyPr/>
+                    <a:lstStyle/>
+                    <a:p>
+                      <a:pPr algn="r"/>
+                      <a:r>
+                        <a:rPr lang="en-US" sz="2200" dirty="0" smtClean="0"/>
+                        <a:t>Intel</a:t>
+                      </a:r>
+                      <a:endParaRPr lang="en-US" sz="2200" dirty="0"/>
+                    </a:p>
+                  </a:txBody>
+                  <a:tcPr anchor="ctr">
+                    <a:lnL w="12700" cmpd="sng">
+                      <a:noFill/>
+                    </a:lnL>
+                    <a:lnR w="12700" cmpd="sng">
+                      <a:noFill/>
+                    </a:lnR>
+                    <a:lnT w="12700" cmpd="sng">
+                      <a:noFill/>
+                    </a:lnT>
+                    <a:lnB w="12700" cmpd="sng">
+                      <a:noFill/>
+                    </a:lnB>
+                    <a:lnTlToBr w="12700" cmpd="sng">
+                      <a:noFill/>
+                      <a:prstDash val="solid"/>
+                    </a:lnTlToBr>
+                    <a:lnBlToTr w="12700" cmpd="sng">
+                      <a:noFill/>
+                      <a:prstDash val="solid"/>
+                    </a:lnBlToTr>
+                  </a:tcPr>
+                </a:tc>
+                <a:tc>
+                  <a:txBody>
+                    <a:bodyPr/>
+                    <a:lstStyle/>
+                    <a:p>
+                      <a:pPr algn="r"/>
+                      <a:r>
+                        <a:rPr lang="en-US" sz="2200" dirty="0" smtClean="0"/>
+                        <a:t>Data</a:t>
+                      </a:r>
+                      <a:endParaRPr lang="en-US" sz="2200" dirty="0"/>
+                    </a:p>
+                  </a:txBody>
+                  <a:tcPr anchor="ctr">
+                    <a:lnL w="12700" cmpd="sng">
+                      <a:noFill/>
+                    </a:lnL>
+                    <a:lnR w="12700" cmpd="sng">
+                      <a:noFill/>
+                    </a:lnR>
+                    <a:lnT w="12700" cmpd="sng">
+                      <a:noFill/>
+                    </a:lnT>
+                    <a:lnB w="12700" cmpd="sng">
+                      <a:noFill/>
+                    </a:lnB>
+                    <a:lnTlToBr w="12700" cmpd="sng">
+                      <a:noFill/>
+                      <a:prstDash val="solid"/>
+                    </a:lnTlToBr>
+                    <a:lnBlToTr w="12700" cmpd="sng">
+                      <a:noFill/>
+                      <a:prstDash val="solid"/>
+                    </a:lnBlToTr>
+                  </a:tcPr>
+                </a:tc>
+                <a:tc>
+                  <a:txBody>
+                    <a:bodyPr/>
+                    <a:lstStyle/>
+                    <a:p>
+                      <a:pPr algn="r"/>
+                      <a:r>
+                        <a:rPr lang="en-US" sz="2200" dirty="0" smtClean="0"/>
+                        <a:t>Year</a:t>
+                      </a:r>
+                      <a:endParaRPr lang="en-US" sz="2200" dirty="0"/>
+                    </a:p>
+                  </a:txBody>
+                  <a:tcPr anchor="ctr">
+                    <a:lnL w="12700" cmpd="sng">
+                      <a:noFill/>
+                    </a:lnL>
+                    <a:lnR w="12700" cmpd="sng">
+                      <a:noFill/>
+                    </a:lnR>
+                    <a:lnT w="12700" cmpd="sng">
+                      <a:noFill/>
+                    </a:lnT>
+                    <a:lnB w="12700" cmpd="sng">
+                      <a:noFill/>
+                    </a:lnB>
+                    <a:lnTlToBr w="12700" cmpd="sng">
+                      <a:noFill/>
+                      <a:prstDash val="solid"/>
+                    </a:lnTlToBr>
+                    <a:lnBlToTr w="12700" cmpd="sng">
+                      <a:noFill/>
+                      <a:prstDash val="solid"/>
+                    </a:lnBlToTr>
+                  </a:tcPr>
+                </a:tc>
+              </a:tr>
+            </a:tbl>
+          </a:graphicData>
+        </a:graphic>
+      </p:graphicFrame>
+      <p:sp>
+        <p:nvSpPr>
+          <p:cNvPr id="57" name="Text Box 180"/>
+          <p:cNvSpPr txBox="1">
+            <a:spLocks noChangeArrowheads="1"/>
+          </p:cNvSpPr>
+          <p:nvPr/>
+        </p:nvSpPr>
+        <p:spPr bwMode="auto">
+          <a:xfrm>
+            <a:off x="12268200" y="23393400"/>
+            <a:ext cx="7924800" cy="1269566"/>
+          </a:xfrm>
+          <a:prstGeom prst="rect">
+            <a:avLst/>
+          </a:prstGeom>
+          <a:noFill/>
+          <a:ln>
+            <a:noFill/>
+          </a:ln>
+          <a:effectLst/>
+          <a:extLst>
+            <a:ext uri="{909E8E84-426E-40DD-AFC4-6F175D3DCCD1}">
+              <a14:hiddenFill xmlns:a14="http://schemas.microsoft.com/office/drawing/2010/main">
+                <a:solidFill>
+                  <a:schemeClr val="accent1"/>
+                </a:solidFill>
+              </a14:hiddenFill>
+            </a:ext>
+            <a:ext uri="{91240B29-F687-4F45-9708-019B960494DF}">
+              <a14:hiddenLine xmlns:a14="http://schemas.microsoft.com/office/drawing/2010/main" w="9525">
+                <a:solidFill>
+                  <a:schemeClr val="tx1"/>
+                </a:solidFill>
+                <a:miter lim="800000"/>
+                <a:headEnd/>
+                <a:tailEnd/>
+              </a14:hiddenLine>
+            </a:ext>
+            <a:ext uri="{AF507438-7753-43E0-B8FC-AC1667EBCBE1}">
+              <a14:hiddenEffects xmlns:a14="http://schemas.microsoft.com/office/drawing/2010/main">
+                <a:effectLst>
+                  <a:outerShdw dist="35921" dir="2700000" algn="ctr" rotWithShape="0">
+                    <a:schemeClr val="bg2"/>
+                  </a:outerShdw>
+                </a:effectLst>
+              </a14:hiddenEffects>
+            </a:ext>
+          </a:extLst>
+        </p:spPr>
+        <p:txBody>
+          <a:bodyPr wrap="square" lIns="68568" tIns="34284" rIns="68568" bIns="34284">
+            <a:spAutoFit/>
+          </a:bodyPr>
+          <a:lstStyle>
+            <a:lvl1pPr defTabSz="4389438" eaLnBrk="0" hangingPunct="0">
+              <a:defRPr sz="2200">
+                <a:solidFill>
+                  <a:schemeClr val="tx1"/>
+                </a:solidFill>
+                <a:latin typeface="Arial" charset="0"/>
+              </a:defRPr>
+            </a:lvl1pPr>
+            <a:lvl2pPr marL="742950" indent="-285750" defTabSz="4389438" eaLnBrk="0" hangingPunct="0">
+              <a:defRPr sz="2200">
+                <a:solidFill>
+                  <a:schemeClr val="tx1"/>
+                </a:solidFill>
+                <a:latin typeface="Arial" charset="0"/>
+              </a:defRPr>
+            </a:lvl2pPr>
+            <a:lvl3pPr marL="1143000" indent="-228600" defTabSz="4389438" eaLnBrk="0" hangingPunct="0">
+              <a:defRPr sz="2200">
+                <a:solidFill>
+                  <a:schemeClr val="tx1"/>
+                </a:solidFill>
+                <a:latin typeface="Arial" charset="0"/>
+              </a:defRPr>
+            </a:lvl3pPr>
+            <a:lvl4pPr marL="1600200" indent="-228600" defTabSz="4389438" eaLnBrk="0" hangingPunct="0">
+              <a:defRPr sz="2200">
+                <a:solidFill>
+                  <a:schemeClr val="tx1"/>
+                </a:solidFill>
+                <a:latin typeface="Arial" charset="0"/>
+              </a:defRPr>
+            </a:lvl4pPr>
+            <a:lvl5pPr marL="2057400" indent="-228600" defTabSz="4389438" eaLnBrk="0" hangingPunct="0">
+              <a:defRPr sz="2200">
+                <a:solidFill>
+                  <a:schemeClr val="tx1"/>
+                </a:solidFill>
+                <a:latin typeface="Arial" charset="0"/>
+              </a:defRPr>
+            </a:lvl5pPr>
+            <a:lvl6pPr marL="2514600" indent="-228600" defTabSz="4389438" eaLnBrk="0" fontAlgn="base" hangingPunct="0">
+              <a:spcBef>
+                <a:spcPct val="0"/>
+              </a:spcBef>
+              <a:spcAft>
+                <a:spcPct val="0"/>
+              </a:spcAft>
+              <a:defRPr sz="2200">
+                <a:solidFill>
+                  <a:schemeClr val="tx1"/>
+                </a:solidFill>
+                <a:latin typeface="Arial" charset="0"/>
+              </a:defRPr>
+            </a:lvl6pPr>
+            <a:lvl7pPr marL="2971800" indent="-228600" defTabSz="4389438" eaLnBrk="0" fontAlgn="base" hangingPunct="0">
+              <a:spcBef>
+                <a:spcPct val="0"/>
+              </a:spcBef>
+              <a:spcAft>
+                <a:spcPct val="0"/>
+              </a:spcAft>
+              <a:defRPr sz="2200">
+                <a:solidFill>
+                  <a:schemeClr val="tx1"/>
+                </a:solidFill>
+                <a:latin typeface="Arial" charset="0"/>
+              </a:defRPr>
+            </a:lvl7pPr>
+            <a:lvl8pPr marL="3429000" indent="-228600" defTabSz="4389438" eaLnBrk="0" fontAlgn="base" hangingPunct="0">
+              <a:spcBef>
+                <a:spcPct val="0"/>
+              </a:spcBef>
+              <a:spcAft>
+                <a:spcPct val="0"/>
+              </a:spcAft>
+              <a:defRPr sz="2200">
+                <a:solidFill>
+                  <a:schemeClr val="tx1"/>
+                </a:solidFill>
+                <a:latin typeface="Arial" charset="0"/>
+              </a:defRPr>
+            </a:lvl8pPr>
+            <a:lvl9pPr marL="3886200" indent="-228600" defTabSz="4389438" eaLnBrk="0" fontAlgn="base" hangingPunct="0">
+              <a:spcBef>
+                <a:spcPct val="0"/>
+              </a:spcBef>
+              <a:spcAft>
+                <a:spcPct val="0"/>
+              </a:spcAft>
+              <a:defRPr sz="2200">
+                <a:solidFill>
+                  <a:schemeClr val="tx1"/>
+                </a:solidFill>
+                <a:latin typeface="Arial" charset="0"/>
+              </a:defRPr>
+            </a:lvl9pPr>
+          </a:lstStyle>
+          <a:p>
+            <a:pPr eaLnBrk="1" hangingPunct="1"/>
+            <a:r>
+              <a:rPr lang="en-US" sz="2400" b="1" dirty="0" smtClean="0">
+                <a:latin typeface="Calibri" pitchFamily="34" charset="0"/>
+              </a:rPr>
+              <a:t>Table 3.</a:t>
+            </a:r>
+            <a:r>
+              <a:rPr lang="en-US" sz="2400" dirty="0" smtClean="0">
+                <a:latin typeface="Calibri" pitchFamily="34" charset="0"/>
+              </a:rPr>
+              <a:t> </a:t>
+            </a:r>
+            <a:r>
+              <a:rPr lang="en-US" sz="2400" dirty="0" smtClean="0">
+                <a:latin typeface="Calibri" pitchFamily="34" charset="0"/>
+              </a:rPr>
+              <a:t>Topic Modeling Classes</a:t>
+            </a:r>
+          </a:p>
+          <a:p>
+            <a:pPr eaLnBrk="1" hangingPunct="1"/>
+            <a:r>
+              <a:rPr lang="en-US" sz="1800" dirty="0" smtClean="0">
+                <a:latin typeface="Calibri" pitchFamily="34" charset="0"/>
+              </a:rPr>
+              <a:t>Articles divided into topics, trying </a:t>
+            </a:r>
+            <a:r>
+              <a:rPr lang="en-US" sz="1800" dirty="0">
+                <a:latin typeface="Calibri" pitchFamily="34" charset="0"/>
+              </a:rPr>
+              <a:t>to </a:t>
+            </a:r>
+            <a:r>
+              <a:rPr lang="en-US" sz="1800" dirty="0" smtClean="0">
+                <a:latin typeface="Calibri" pitchFamily="34" charset="0"/>
+              </a:rPr>
+              <a:t>find some </a:t>
+            </a:r>
+            <a:r>
+              <a:rPr lang="en-US" sz="1800" dirty="0">
+                <a:latin typeface="Calibri" pitchFamily="34" charset="0"/>
+              </a:rPr>
+              <a:t>predictive pattern buried in the data.</a:t>
+            </a:r>
+          </a:p>
+          <a:p>
+            <a:pPr eaLnBrk="1" hangingPunct="1"/>
+            <a:endParaRPr lang="en-US" sz="1800" dirty="0">
+              <a:latin typeface="Calibri" pitchFamily="34" charset="0"/>
+            </a:endParaRPr>
           </a:p>
         </p:txBody>
       </p:sp>

--- a/project/ML Poster.pptx
+++ b/project/ML Poster.pptx
@@ -3412,18 +3412,21 @@
           </a:p>
           <a:p>
             <a:pPr eaLnBrk="1" hangingPunct="1"/>
-            <a:endParaRPr lang="en-US" sz="2800" b="1" dirty="0">
+            <a:endParaRPr lang="en-US" sz="2800" b="1" dirty="0" smtClean="0">
               <a:latin typeface="Calibri" pitchFamily="34" charset="0"/>
             </a:endParaRPr>
           </a:p>
           <a:p>
             <a:pPr eaLnBrk="1" hangingPunct="1"/>
             <a:r>
-              <a:rPr lang="en-US" sz="2800" dirty="0">
-                <a:latin typeface="Calibri" pitchFamily="34" charset="0"/>
-              </a:rPr>
-              <a:t>Significant relationships between this media data and the closing stock price were found. </a:t>
-            </a:r>
+              <a:rPr lang="en-US" sz="2800" dirty="0" smtClean="0">
+                <a:latin typeface="Calibri" pitchFamily="34" charset="0"/>
+              </a:rPr>
+              <a:t>This team was able to construct a model that predicts the closing stock price with around 3% error. </a:t>
+            </a:r>
+            <a:endParaRPr lang="en-US" sz="2800" dirty="0">
+              <a:latin typeface="Calibri" pitchFamily="34" charset="0"/>
+            </a:endParaRPr>
           </a:p>
         </p:txBody>
       </p:sp>
@@ -3501,8 +3504,8 @@
         </p:nvSpPr>
         <p:spPr bwMode="auto">
           <a:xfrm>
-            <a:off x="11649859" y="5486400"/>
-            <a:ext cx="9692640" cy="22945817"/>
+            <a:off x="11649859" y="5486401"/>
+            <a:ext cx="9692640" cy="20269200"/>
           </a:xfrm>
           <a:prstGeom prst="rect">
             <a:avLst/>
@@ -4029,24 +4032,6 @@
           <a:p>
             <a:pPr eaLnBrk="1" hangingPunct="1"/>
             <a:endParaRPr lang="en-US" sz="2800" dirty="0">
-              <a:latin typeface="Calibri" pitchFamily="34" charset="0"/>
-            </a:endParaRPr>
-          </a:p>
-          <a:p>
-            <a:pPr eaLnBrk="1" hangingPunct="1"/>
-            <a:r>
-              <a:rPr lang="en-US" sz="2800" dirty="0" smtClean="0">
-                <a:latin typeface="Calibri" pitchFamily="34" charset="0"/>
-              </a:rPr>
-              <a:t>The RNN model used all current features, such as raw text data, hidden topics, and google trends to ultimately predict the closing </a:t>
-            </a:r>
-            <a:r>
-              <a:rPr lang="en-US" sz="2800" smtClean="0">
-                <a:latin typeface="Calibri" pitchFamily="34" charset="0"/>
-              </a:rPr>
-              <a:t>stock price.  </a:t>
-            </a:r>
-            <a:endParaRPr lang="en-US" sz="2800" dirty="0" smtClean="0">
               <a:latin typeface="Calibri" pitchFamily="34" charset="0"/>
             </a:endParaRPr>
           </a:p>
@@ -4162,8 +4147,8 @@
         </p:nvSpPr>
         <p:spPr bwMode="auto">
           <a:xfrm>
-            <a:off x="22056234" y="13220948"/>
-            <a:ext cx="9692640" cy="6309373"/>
+            <a:off x="21994999" y="23834037"/>
+            <a:ext cx="9692640" cy="3293163"/>
           </a:xfrm>
           <a:prstGeom prst="rect">
             <a:avLst/>
@@ -4324,42 +4309,6 @@
               <a:latin typeface="Calibri" pitchFamily="34" charset="0"/>
             </a:endParaRPr>
           </a:p>
-          <a:p>
-            <a:pPr eaLnBrk="1" hangingPunct="1"/>
-            <a:r>
-              <a:rPr lang="en-US" sz="2800" dirty="0">
-                <a:latin typeface="Calibri" pitchFamily="34" charset="0"/>
-              </a:rPr>
-              <a:t>To change the font style of this text box: Click on the border once to highlight the entire text box, then select a different font or font size that suits you. This text is Calibri 28pt and is easily </a:t>
-            </a:r>
-            <a:r>
-              <a:rPr lang="en-US" sz="2800" dirty="0" smtClean="0">
-                <a:latin typeface="Calibri" pitchFamily="34" charset="0"/>
-              </a:rPr>
-              <a:t>read </a:t>
-            </a:r>
-            <a:r>
-              <a:rPr lang="en-US" sz="2800" dirty="0">
-                <a:latin typeface="Calibri" pitchFamily="34" charset="0"/>
-              </a:rPr>
-              <a:t>up to 4 feet away on a 36x36 poster.</a:t>
-            </a:r>
-          </a:p>
-          <a:p>
-            <a:pPr eaLnBrk="1" hangingPunct="1"/>
-            <a:endParaRPr lang="en-US" sz="2800" dirty="0">
-              <a:latin typeface="Calibri" pitchFamily="34" charset="0"/>
-            </a:endParaRPr>
-          </a:p>
-          <a:p>
-            <a:pPr eaLnBrk="1" hangingPunct="1"/>
-            <a:r>
-              <a:rPr lang="en-US" sz="2800" dirty="0">
-                <a:latin typeface="Calibri" pitchFamily="34" charset="0"/>
-              </a:rPr>
-              <a:t>Zoom out to 100% to preview what this will look like on your printed poster.</a:t>
-            </a:r>
-          </a:p>
         </p:txBody>
       </p:sp>
       <p:sp>
@@ -4370,7 +4319,7 @@
         </p:nvSpPr>
         <p:spPr>
           <a:xfrm>
-            <a:off x="22056234" y="12535148"/>
+            <a:off x="21994999" y="23148237"/>
             <a:ext cx="9692640" cy="685800"/>
           </a:xfrm>
           <a:prstGeom prst="rect">
@@ -4405,7 +4354,7 @@
           <a:p>
             <a:pPr algn="ctr"/>
             <a:r>
-              <a:rPr lang="en-US" sz="4400" b="1" dirty="0">
+              <a:rPr lang="en-US" sz="4400" b="1" dirty="0" smtClean="0">
                 <a:solidFill>
                   <a:schemeClr val="accent3">
                     <a:lumMod val="20000"/>
@@ -4413,8 +4362,16 @@
                   </a:schemeClr>
                 </a:solidFill>
               </a:rPr>
-              <a:t>Discussion</a:t>
-            </a:r>
+              <a:t>Conclusions</a:t>
+            </a:r>
+            <a:endParaRPr lang="en-US" sz="4400" b="1" dirty="0">
+              <a:solidFill>
+                <a:schemeClr val="accent3">
+                  <a:lumMod val="20000"/>
+                  <a:lumOff val="80000"/>
+                </a:schemeClr>
+              </a:solidFill>
+            </a:endParaRPr>
           </a:p>
         </p:txBody>
       </p:sp>
@@ -4429,7 +4386,7 @@
         <p:spPr bwMode="auto">
           <a:xfrm>
             <a:off x="22019558" y="5486400"/>
-            <a:ext cx="9692640" cy="6309373"/>
+            <a:ext cx="9692640" cy="16219778"/>
           </a:xfrm>
           <a:prstGeom prst="rect">
             <a:avLst/>
@@ -4554,8 +4511,29 @@
               <a:rPr lang="en-US" sz="2800" dirty="0">
                 <a:latin typeface="Calibri" pitchFamily="34" charset="0"/>
               </a:rPr>
-              <a:t>Click here to insert your Conclusions text. Type it in or copy and paste from your Word document or other source.</a:t>
-            </a:r>
+              <a:t>The RNN model, a NN model that adapts to and “remembers” previous data, was the main model to test our hypothesis. This model used current features, such as raw text data, </a:t>
+            </a:r>
+            <a:r>
+              <a:rPr lang="en-US" sz="2800" dirty="0" smtClean="0">
+                <a:latin typeface="Calibri" pitchFamily="34" charset="0"/>
+              </a:rPr>
+              <a:t>25 classes </a:t>
+            </a:r>
+            <a:r>
+              <a:rPr lang="en-US" sz="2800" dirty="0">
+                <a:latin typeface="Calibri" pitchFamily="34" charset="0"/>
+              </a:rPr>
+              <a:t>generated by topic modeling, and google trends to ultimately predict the closing stock price.  </a:t>
+            </a:r>
+            <a:endParaRPr lang="en-US" sz="2800" dirty="0" smtClean="0">
+              <a:latin typeface="Calibri" pitchFamily="34" charset="0"/>
+            </a:endParaRPr>
+          </a:p>
+          <a:p>
+            <a:pPr eaLnBrk="1" hangingPunct="1"/>
+            <a:endParaRPr lang="en-US" sz="2800" dirty="0" smtClean="0">
+              <a:latin typeface="Calibri" pitchFamily="34" charset="0"/>
+            </a:endParaRPr>
           </a:p>
           <a:p>
             <a:pPr eaLnBrk="1" hangingPunct="1"/>
@@ -4565,24 +4543,9 @@
           </a:p>
           <a:p>
             <a:pPr eaLnBrk="1" hangingPunct="1"/>
-            <a:r>
-              <a:rPr lang="en-US" sz="2800" dirty="0">
-                <a:latin typeface="Calibri" pitchFamily="34" charset="0"/>
-              </a:rPr>
-              <a:t>This text box will automatically re-size to your text. To turn off that feature, right click inside this box and go to </a:t>
-            </a:r>
-            <a:r>
-              <a:rPr lang="en-US" sz="2800" b="1" dirty="0">
-                <a:latin typeface="Calibri" pitchFamily="34" charset="0"/>
-              </a:rPr>
-              <a:t>Format Shape, Text Box, Autofit</a:t>
-            </a:r>
-            <a:r>
-              <a:rPr lang="en-US" sz="2800" dirty="0">
-                <a:latin typeface="Calibri" pitchFamily="34" charset="0"/>
-              </a:rPr>
-              <a:t>, and select the “Do Not Autofit” radio button.</a:t>
-            </a:r>
+            <a:endParaRPr lang="en-US" sz="2800" dirty="0" smtClean="0">
+              <a:latin typeface="Calibri" pitchFamily="34" charset="0"/>
+            </a:endParaRPr>
           </a:p>
           <a:p>
             <a:pPr eaLnBrk="1" hangingPunct="1"/>
@@ -4592,24 +4555,9 @@
           </a:p>
           <a:p>
             <a:pPr eaLnBrk="1" hangingPunct="1"/>
-            <a:r>
-              <a:rPr lang="en-US" sz="2800" dirty="0">
-                <a:latin typeface="Calibri" pitchFamily="34" charset="0"/>
-              </a:rPr>
-              <a:t>To change the font style of this text box: Click on the border once to highlight the entire text box, then select a different font or font size that suits you. This text is Calibri 28pt and is easily </a:t>
-            </a:r>
-            <a:r>
-              <a:rPr lang="en-US" sz="2800" dirty="0" smtClean="0">
-                <a:latin typeface="Calibri" pitchFamily="34" charset="0"/>
-              </a:rPr>
-              <a:t>read </a:t>
-            </a:r>
-            <a:r>
-              <a:rPr lang="en-US" sz="2800" dirty="0">
-                <a:latin typeface="Calibri" pitchFamily="34" charset="0"/>
-              </a:rPr>
-              <a:t>up to 4 feet away on a 36x36 poster.</a:t>
-            </a:r>
+            <a:endParaRPr lang="en-US" sz="2800" dirty="0" smtClean="0">
+              <a:latin typeface="Calibri" pitchFamily="34" charset="0"/>
+            </a:endParaRPr>
           </a:p>
           <a:p>
             <a:pPr eaLnBrk="1" hangingPunct="1"/>
@@ -4619,11 +4567,128 @@
           </a:p>
           <a:p>
             <a:pPr eaLnBrk="1" hangingPunct="1"/>
-            <a:r>
-              <a:rPr lang="en-US" sz="2800" dirty="0">
-                <a:latin typeface="Calibri" pitchFamily="34" charset="0"/>
-              </a:rPr>
-              <a:t>Zoom out to 100% to preview what this will look like on your printed poster.</a:t>
+            <a:endParaRPr lang="en-US" sz="2800" dirty="0" smtClean="0">
+              <a:latin typeface="Calibri" pitchFamily="34" charset="0"/>
+            </a:endParaRPr>
+          </a:p>
+          <a:p>
+            <a:pPr eaLnBrk="1" hangingPunct="1"/>
+            <a:endParaRPr lang="en-US" sz="2800" dirty="0">
+              <a:latin typeface="Calibri" pitchFamily="34" charset="0"/>
+            </a:endParaRPr>
+          </a:p>
+          <a:p>
+            <a:pPr eaLnBrk="1" hangingPunct="1"/>
+            <a:endParaRPr lang="en-US" sz="2800" dirty="0" smtClean="0">
+              <a:latin typeface="Calibri" pitchFamily="34" charset="0"/>
+            </a:endParaRPr>
+          </a:p>
+          <a:p>
+            <a:pPr eaLnBrk="1" hangingPunct="1"/>
+            <a:endParaRPr lang="en-US" sz="2800" dirty="0">
+              <a:latin typeface="Calibri" pitchFamily="34" charset="0"/>
+            </a:endParaRPr>
+          </a:p>
+          <a:p>
+            <a:pPr eaLnBrk="1" hangingPunct="1"/>
+            <a:endParaRPr lang="en-US" sz="2800" dirty="0" smtClean="0">
+              <a:latin typeface="Calibri" pitchFamily="34" charset="0"/>
+            </a:endParaRPr>
+          </a:p>
+          <a:p>
+            <a:pPr eaLnBrk="1" hangingPunct="1"/>
+            <a:endParaRPr lang="en-US" sz="2800" dirty="0">
+              <a:latin typeface="Calibri" pitchFamily="34" charset="0"/>
+            </a:endParaRPr>
+          </a:p>
+          <a:p>
+            <a:pPr eaLnBrk="1" hangingPunct="1"/>
+            <a:endParaRPr lang="en-US" sz="2800" dirty="0" smtClean="0">
+              <a:latin typeface="Calibri" pitchFamily="34" charset="0"/>
+            </a:endParaRPr>
+          </a:p>
+          <a:p>
+            <a:pPr eaLnBrk="1" hangingPunct="1"/>
+            <a:endParaRPr lang="en-US" sz="2800" dirty="0">
+              <a:latin typeface="Calibri" pitchFamily="34" charset="0"/>
+            </a:endParaRPr>
+          </a:p>
+          <a:p>
+            <a:pPr eaLnBrk="1" hangingPunct="1"/>
+            <a:endParaRPr lang="en-US" sz="2800" dirty="0" smtClean="0">
+              <a:latin typeface="Calibri" pitchFamily="34" charset="0"/>
+            </a:endParaRPr>
+          </a:p>
+          <a:p>
+            <a:pPr eaLnBrk="1" hangingPunct="1"/>
+            <a:endParaRPr lang="en-US" sz="2800" dirty="0">
+              <a:latin typeface="Calibri" pitchFamily="34" charset="0"/>
+            </a:endParaRPr>
+          </a:p>
+          <a:p>
+            <a:pPr eaLnBrk="1" hangingPunct="1"/>
+            <a:endParaRPr lang="en-US" sz="2800" dirty="0" smtClean="0">
+              <a:latin typeface="Calibri" pitchFamily="34" charset="0"/>
+            </a:endParaRPr>
+          </a:p>
+          <a:p>
+            <a:pPr eaLnBrk="1" hangingPunct="1"/>
+            <a:endParaRPr lang="en-US" sz="2800" dirty="0">
+              <a:latin typeface="Calibri" pitchFamily="34" charset="0"/>
+            </a:endParaRPr>
+          </a:p>
+          <a:p>
+            <a:pPr eaLnBrk="1" hangingPunct="1"/>
+            <a:endParaRPr lang="en-US" sz="2800" dirty="0" smtClean="0">
+              <a:latin typeface="Calibri" pitchFamily="34" charset="0"/>
+            </a:endParaRPr>
+          </a:p>
+          <a:p>
+            <a:pPr eaLnBrk="1" hangingPunct="1"/>
+            <a:endParaRPr lang="en-US" sz="2800" dirty="0">
+              <a:latin typeface="Calibri" pitchFamily="34" charset="0"/>
+            </a:endParaRPr>
+          </a:p>
+          <a:p>
+            <a:pPr eaLnBrk="1" hangingPunct="1"/>
+            <a:endParaRPr lang="en-US" sz="2800" dirty="0" smtClean="0">
+              <a:latin typeface="Calibri" pitchFamily="34" charset="0"/>
+            </a:endParaRPr>
+          </a:p>
+          <a:p>
+            <a:pPr eaLnBrk="1" hangingPunct="1"/>
+            <a:endParaRPr lang="en-US" sz="2800" dirty="0">
+              <a:latin typeface="Calibri" pitchFamily="34" charset="0"/>
+            </a:endParaRPr>
+          </a:p>
+          <a:p>
+            <a:pPr eaLnBrk="1" hangingPunct="1"/>
+            <a:endParaRPr lang="en-US" sz="2800" dirty="0" smtClean="0">
+              <a:latin typeface="Calibri" pitchFamily="34" charset="0"/>
+            </a:endParaRPr>
+          </a:p>
+          <a:p>
+            <a:pPr eaLnBrk="1" hangingPunct="1"/>
+            <a:r>
+              <a:rPr lang="en-US" sz="2800" dirty="0" smtClean="0">
+                <a:latin typeface="Calibri" pitchFamily="34" charset="0"/>
+              </a:rPr>
+              <a:t>Figures 3a and 3b show the predictions and model accuracy for the total RNN model. The testing accuracy is quite high, on average 3% error. </a:t>
+            </a:r>
+          </a:p>
+          <a:p>
+            <a:pPr eaLnBrk="1" hangingPunct="1"/>
+            <a:endParaRPr lang="en-US" sz="2800" dirty="0">
+              <a:latin typeface="Calibri" pitchFamily="34" charset="0"/>
+            </a:endParaRPr>
+          </a:p>
+          <a:p>
+            <a:pPr eaLnBrk="1" hangingPunct="1"/>
+            <a:r>
+              <a:rPr lang="en-US" sz="2800" dirty="0" smtClean="0">
+                <a:latin typeface="Calibri" pitchFamily="34" charset="0"/>
+              </a:rPr>
+              <a:t>It’s worthwhile noticing from Figure 3a that the RNN model almost always overestimated the stock price. In addition, the predicted values also had significantly less variance than the actual stock values. This can lead the model to be better predicting long-term trends as opposed to short term valuations.</a:t>
             </a:r>
           </a:p>
         </p:txBody>
@@ -4671,7 +4736,7 @@
           <a:p>
             <a:pPr algn="ctr"/>
             <a:r>
-              <a:rPr lang="en-US" sz="4400" b="1" dirty="0">
+              <a:rPr lang="en-US" sz="4400" b="1" dirty="0" smtClean="0">
                 <a:solidFill>
                   <a:schemeClr val="accent3">
                     <a:lumMod val="20000"/>
@@ -4679,8 +4744,16 @@
                   </a:schemeClr>
                 </a:solidFill>
               </a:rPr>
-              <a:t>Conclusions</a:t>
-            </a:r>
+              <a:t>Results</a:t>
+            </a:r>
+            <a:endParaRPr lang="en-US" sz="4400" b="1" dirty="0">
+              <a:solidFill>
+                <a:schemeClr val="accent3">
+                  <a:lumMod val="20000"/>
+                  <a:lumOff val="80000"/>
+                </a:schemeClr>
+              </a:solidFill>
+            </a:endParaRPr>
           </a:p>
         </p:txBody>
       </p:sp>
@@ -5800,7 +5873,7 @@
               <a:rPr lang="en-US" sz="1800" dirty="0" smtClean="0">
                 <a:latin typeface="Calibri" pitchFamily="34" charset="0"/>
               </a:rPr>
-              <a:t>Regression results using Google trends data for company HP </a:t>
+              <a:t>Regression results using Google trends data for company Seagate</a:t>
             </a:r>
             <a:endParaRPr lang="en-US" sz="1800" dirty="0">
               <a:latin typeface="Calibri" pitchFamily="34" charset="0"/>
@@ -6538,7 +6611,7 @@
           <p:nvPr>
             <p:extLst>
               <p:ext uri="{D42A27DB-BD31-4B8C-83A1-F6EECF244321}">
-                <p14:modId xmlns:p14="http://schemas.microsoft.com/office/powerpoint/2010/main" val="1403759217"/>
+                <p14:modId xmlns:p14="http://schemas.microsoft.com/office/powerpoint/2010/main" val="936493433"/>
               </p:ext>
             </p:extLst>
           </p:nvPr>
@@ -6660,7 +6733,7 @@
                       <a:pPr algn="l"/>
                       <a:r>
                         <a:rPr lang="en-US" sz="2400" dirty="0" smtClean="0"/>
-                        <a:t>Intel</a:t>
+                        <a:t>Intel*</a:t>
                       </a:r>
                       <a:endParaRPr lang="en-US" sz="2400" dirty="0"/>
                     </a:p>
@@ -6966,27 +7039,15 @@
           <a:p>
             <a:r>
               <a:rPr lang="en-US" sz="1400" dirty="0" smtClean="0"/>
-              <a:t>Graphs generated from </a:t>
-            </a:r>
-            <a:r>
-              <a:rPr lang="en-US" sz="1400" dirty="0" err="1" smtClean="0"/>
-              <a:t>TensorFlow</a:t>
+              <a:t>Graphs generated from TensorFlow and </a:t>
+            </a:r>
+            <a:r>
+              <a:rPr lang="en-US" sz="1400" dirty="0"/>
+              <a:t>J</a:t>
             </a:r>
             <a:r>
               <a:rPr lang="en-US" sz="1400" dirty="0" smtClean="0"/>
-              <a:t> and </a:t>
-            </a:r>
-            <a:r>
-              <a:rPr lang="en-US" sz="1400" dirty="0" err="1"/>
-              <a:t>J</a:t>
-            </a:r>
-            <a:r>
-              <a:rPr lang="en-US" sz="1400" dirty="0" err="1" smtClean="0"/>
-              <a:t>uptyer</a:t>
-            </a:r>
-            <a:r>
-              <a:rPr lang="en-US" sz="1400" dirty="0" smtClean="0"/>
-              <a:t> Notebook models created by this team</a:t>
+              <a:t>uptyer Notebook models created by this team</a:t>
             </a:r>
           </a:p>
           <a:p>
@@ -8655,6 +8716,459 @@
             <a:endParaRPr lang="en-US" sz="1800" dirty="0">
               <a:latin typeface="Calibri" pitchFamily="34" charset="0"/>
             </a:endParaRPr>
+          </a:p>
+        </p:txBody>
+      </p:sp>
+      <p:pic>
+        <p:nvPicPr>
+          <p:cNvPr id="29" name="Picture 28"/>
+          <p:cNvPicPr>
+            <a:picLocks noChangeAspect="1"/>
+          </p:cNvPicPr>
+          <p:nvPr/>
+        </p:nvPicPr>
+        <p:blipFill>
+          <a:blip r:embed="rId12">
+            <a:extLst>
+              <a:ext uri="{28A0092B-C50C-407E-A947-70E740481C1C}">
+                <a14:useLocalDpi xmlns:a14="http://schemas.microsoft.com/office/drawing/2010/main" val="0"/>
+              </a:ext>
+            </a:extLst>
+          </a:blip>
+          <a:stretch>
+            <a:fillRect/>
+          </a:stretch>
+        </p:blipFill>
+        <p:spPr>
+          <a:xfrm>
+            <a:off x="22196859" y="8001000"/>
+            <a:ext cx="5006541" cy="3754906"/>
+          </a:xfrm>
+          <a:prstGeom prst="rect">
+            <a:avLst/>
+          </a:prstGeom>
+        </p:spPr>
+      </p:pic>
+      <p:sp>
+        <p:nvSpPr>
+          <p:cNvPr id="58" name="Text Box 180"/>
+          <p:cNvSpPr txBox="1">
+            <a:spLocks noChangeArrowheads="1"/>
+          </p:cNvSpPr>
+          <p:nvPr/>
+        </p:nvSpPr>
+        <p:spPr bwMode="auto">
+          <a:xfrm>
+            <a:off x="22702236" y="11763445"/>
+            <a:ext cx="5872764" cy="715568"/>
+          </a:xfrm>
+          <a:prstGeom prst="rect">
+            <a:avLst/>
+          </a:prstGeom>
+          <a:noFill/>
+          <a:ln>
+            <a:noFill/>
+          </a:ln>
+          <a:effectLst/>
+          <a:extLst>
+            <a:ext uri="{909E8E84-426E-40DD-AFC4-6F175D3DCCD1}">
+              <a14:hiddenFill xmlns:a14="http://schemas.microsoft.com/office/drawing/2010/main">
+                <a:solidFill>
+                  <a:schemeClr val="accent1"/>
+                </a:solidFill>
+              </a14:hiddenFill>
+            </a:ext>
+            <a:ext uri="{91240B29-F687-4F45-9708-019B960494DF}">
+              <a14:hiddenLine xmlns:a14="http://schemas.microsoft.com/office/drawing/2010/main" w="9525">
+                <a:solidFill>
+                  <a:schemeClr val="tx1"/>
+                </a:solidFill>
+                <a:miter lim="800000"/>
+                <a:headEnd/>
+                <a:tailEnd/>
+              </a14:hiddenLine>
+            </a:ext>
+            <a:ext uri="{AF507438-7753-43E0-B8FC-AC1667EBCBE1}">
+              <a14:hiddenEffects xmlns:a14="http://schemas.microsoft.com/office/drawing/2010/main">
+                <a:effectLst>
+                  <a:outerShdw dist="35921" dir="2700000" algn="ctr" rotWithShape="0">
+                    <a:schemeClr val="bg2"/>
+                  </a:outerShdw>
+                </a:effectLst>
+              </a14:hiddenEffects>
+            </a:ext>
+          </a:extLst>
+        </p:spPr>
+        <p:txBody>
+          <a:bodyPr wrap="square" lIns="68568" tIns="34284" rIns="68568" bIns="34284">
+            <a:spAutoFit/>
+          </a:bodyPr>
+          <a:lstStyle>
+            <a:lvl1pPr defTabSz="4389438" eaLnBrk="0" hangingPunct="0">
+              <a:defRPr sz="2200">
+                <a:solidFill>
+                  <a:schemeClr val="tx1"/>
+                </a:solidFill>
+                <a:latin typeface="Arial" charset="0"/>
+              </a:defRPr>
+            </a:lvl1pPr>
+            <a:lvl2pPr marL="742950" indent="-285750" defTabSz="4389438" eaLnBrk="0" hangingPunct="0">
+              <a:defRPr sz="2200">
+                <a:solidFill>
+                  <a:schemeClr val="tx1"/>
+                </a:solidFill>
+                <a:latin typeface="Arial" charset="0"/>
+              </a:defRPr>
+            </a:lvl2pPr>
+            <a:lvl3pPr marL="1143000" indent="-228600" defTabSz="4389438" eaLnBrk="0" hangingPunct="0">
+              <a:defRPr sz="2200">
+                <a:solidFill>
+                  <a:schemeClr val="tx1"/>
+                </a:solidFill>
+                <a:latin typeface="Arial" charset="0"/>
+              </a:defRPr>
+            </a:lvl3pPr>
+            <a:lvl4pPr marL="1600200" indent="-228600" defTabSz="4389438" eaLnBrk="0" hangingPunct="0">
+              <a:defRPr sz="2200">
+                <a:solidFill>
+                  <a:schemeClr val="tx1"/>
+                </a:solidFill>
+                <a:latin typeface="Arial" charset="0"/>
+              </a:defRPr>
+            </a:lvl4pPr>
+            <a:lvl5pPr marL="2057400" indent="-228600" defTabSz="4389438" eaLnBrk="0" hangingPunct="0">
+              <a:defRPr sz="2200">
+                <a:solidFill>
+                  <a:schemeClr val="tx1"/>
+                </a:solidFill>
+                <a:latin typeface="Arial" charset="0"/>
+              </a:defRPr>
+            </a:lvl5pPr>
+            <a:lvl6pPr marL="2514600" indent="-228600" defTabSz="4389438" eaLnBrk="0" fontAlgn="base" hangingPunct="0">
+              <a:spcBef>
+                <a:spcPct val="0"/>
+              </a:spcBef>
+              <a:spcAft>
+                <a:spcPct val="0"/>
+              </a:spcAft>
+              <a:defRPr sz="2200">
+                <a:solidFill>
+                  <a:schemeClr val="tx1"/>
+                </a:solidFill>
+                <a:latin typeface="Arial" charset="0"/>
+              </a:defRPr>
+            </a:lvl6pPr>
+            <a:lvl7pPr marL="2971800" indent="-228600" defTabSz="4389438" eaLnBrk="0" fontAlgn="base" hangingPunct="0">
+              <a:spcBef>
+                <a:spcPct val="0"/>
+              </a:spcBef>
+              <a:spcAft>
+                <a:spcPct val="0"/>
+              </a:spcAft>
+              <a:defRPr sz="2200">
+                <a:solidFill>
+                  <a:schemeClr val="tx1"/>
+                </a:solidFill>
+                <a:latin typeface="Arial" charset="0"/>
+              </a:defRPr>
+            </a:lvl7pPr>
+            <a:lvl8pPr marL="3429000" indent="-228600" defTabSz="4389438" eaLnBrk="0" fontAlgn="base" hangingPunct="0">
+              <a:spcBef>
+                <a:spcPct val="0"/>
+              </a:spcBef>
+              <a:spcAft>
+                <a:spcPct val="0"/>
+              </a:spcAft>
+              <a:defRPr sz="2200">
+                <a:solidFill>
+                  <a:schemeClr val="tx1"/>
+                </a:solidFill>
+                <a:latin typeface="Arial" charset="0"/>
+              </a:defRPr>
+            </a:lvl8pPr>
+            <a:lvl9pPr marL="3886200" indent="-228600" defTabSz="4389438" eaLnBrk="0" fontAlgn="base" hangingPunct="0">
+              <a:spcBef>
+                <a:spcPct val="0"/>
+              </a:spcBef>
+              <a:spcAft>
+                <a:spcPct val="0"/>
+              </a:spcAft>
+              <a:defRPr sz="2200">
+                <a:solidFill>
+                  <a:schemeClr val="tx1"/>
+                </a:solidFill>
+                <a:latin typeface="Arial" charset="0"/>
+              </a:defRPr>
+            </a:lvl9pPr>
+          </a:lstStyle>
+          <a:p>
+            <a:pPr eaLnBrk="1" hangingPunct="1"/>
+            <a:r>
+              <a:rPr lang="en-US" sz="2400" b="1" dirty="0" smtClean="0">
+                <a:latin typeface="Calibri" pitchFamily="34" charset="0"/>
+              </a:rPr>
+              <a:t>Figure 3a.</a:t>
+            </a:r>
+            <a:r>
+              <a:rPr lang="en-US" sz="2400" dirty="0" smtClean="0">
+                <a:latin typeface="Calibri" pitchFamily="34" charset="0"/>
+              </a:rPr>
+              <a:t> RNN with Topic Modeling Features</a:t>
+            </a:r>
+          </a:p>
+          <a:p>
+            <a:pPr eaLnBrk="1" hangingPunct="1"/>
+            <a:r>
+              <a:rPr lang="en-US" sz="1800" dirty="0" smtClean="0">
+                <a:latin typeface="Calibri" pitchFamily="34" charset="0"/>
+              </a:rPr>
+              <a:t>Complete RNN model predictions for HP</a:t>
+            </a:r>
+          </a:p>
+        </p:txBody>
+      </p:sp>
+      <p:sp>
+        <p:nvSpPr>
+          <p:cNvPr id="43" name="TextBox 42"/>
+          <p:cNvSpPr txBox="1"/>
+          <p:nvPr/>
+        </p:nvSpPr>
+        <p:spPr>
+          <a:xfrm>
+            <a:off x="23926800" y="8080011"/>
+            <a:ext cx="2133600" cy="338554"/>
+          </a:xfrm>
+          <a:prstGeom prst="rect">
+            <a:avLst/>
+          </a:prstGeom>
+          <a:solidFill>
+            <a:schemeClr val="bg1"/>
+          </a:solidFill>
+          <a:ln>
+            <a:solidFill>
+              <a:schemeClr val="bg1"/>
+            </a:solidFill>
+          </a:ln>
+        </p:spPr>
+        <p:txBody>
+          <a:bodyPr wrap="square" rtlCol="0">
+            <a:spAutoFit/>
+          </a:bodyPr>
+          <a:lstStyle/>
+          <a:p>
+            <a:r>
+              <a:rPr lang="en-US" sz="1600" dirty="0" smtClean="0"/>
+              <a:t>Predicted Vs Actual</a:t>
+            </a:r>
+            <a:endParaRPr lang="en-US" sz="1600" dirty="0"/>
+          </a:p>
+        </p:txBody>
+      </p:sp>
+      <p:pic>
+        <p:nvPicPr>
+          <p:cNvPr id="46" name="Picture 45"/>
+          <p:cNvPicPr>
+            <a:picLocks noChangeAspect="1"/>
+          </p:cNvPicPr>
+          <p:nvPr/>
+        </p:nvPicPr>
+        <p:blipFill>
+          <a:blip r:embed="rId13">
+            <a:extLst>
+              <a:ext uri="{28A0092B-C50C-407E-A947-70E740481C1C}">
+                <a14:useLocalDpi xmlns:a14="http://schemas.microsoft.com/office/drawing/2010/main" val="0"/>
+              </a:ext>
+            </a:extLst>
+          </a:blip>
+          <a:stretch>
+            <a:fillRect/>
+          </a:stretch>
+        </p:blipFill>
+        <p:spPr>
+          <a:xfrm>
+            <a:off x="22196858" y="12518966"/>
+            <a:ext cx="5120639" cy="3840480"/>
+          </a:xfrm>
+          <a:prstGeom prst="rect">
+            <a:avLst/>
+          </a:prstGeom>
+        </p:spPr>
+      </p:pic>
+      <p:sp>
+        <p:nvSpPr>
+          <p:cNvPr id="59" name="Text Box 180"/>
+          <p:cNvSpPr txBox="1">
+            <a:spLocks noChangeArrowheads="1"/>
+          </p:cNvSpPr>
+          <p:nvPr/>
+        </p:nvSpPr>
+        <p:spPr bwMode="auto">
+          <a:xfrm>
+            <a:off x="22702236" y="16359446"/>
+            <a:ext cx="5872764" cy="992567"/>
+          </a:xfrm>
+          <a:prstGeom prst="rect">
+            <a:avLst/>
+          </a:prstGeom>
+          <a:noFill/>
+          <a:ln>
+            <a:noFill/>
+          </a:ln>
+          <a:effectLst/>
+          <a:extLst>
+            <a:ext uri="{909E8E84-426E-40DD-AFC4-6F175D3DCCD1}">
+              <a14:hiddenFill xmlns:a14="http://schemas.microsoft.com/office/drawing/2010/main">
+                <a:solidFill>
+                  <a:schemeClr val="accent1"/>
+                </a:solidFill>
+              </a14:hiddenFill>
+            </a:ext>
+            <a:ext uri="{91240B29-F687-4F45-9708-019B960494DF}">
+              <a14:hiddenLine xmlns:a14="http://schemas.microsoft.com/office/drawing/2010/main" w="9525">
+                <a:solidFill>
+                  <a:schemeClr val="tx1"/>
+                </a:solidFill>
+                <a:miter lim="800000"/>
+                <a:headEnd/>
+                <a:tailEnd/>
+              </a14:hiddenLine>
+            </a:ext>
+            <a:ext uri="{AF507438-7753-43E0-B8FC-AC1667EBCBE1}">
+              <a14:hiddenEffects xmlns:a14="http://schemas.microsoft.com/office/drawing/2010/main">
+                <a:effectLst>
+                  <a:outerShdw dist="35921" dir="2700000" algn="ctr" rotWithShape="0">
+                    <a:schemeClr val="bg2"/>
+                  </a:outerShdw>
+                </a:effectLst>
+              </a14:hiddenEffects>
+            </a:ext>
+          </a:extLst>
+        </p:spPr>
+        <p:txBody>
+          <a:bodyPr wrap="square" lIns="68568" tIns="34284" rIns="68568" bIns="34284">
+            <a:spAutoFit/>
+          </a:bodyPr>
+          <a:lstStyle>
+            <a:lvl1pPr defTabSz="4389438" eaLnBrk="0" hangingPunct="0">
+              <a:defRPr sz="2200">
+                <a:solidFill>
+                  <a:schemeClr val="tx1"/>
+                </a:solidFill>
+                <a:latin typeface="Arial" charset="0"/>
+              </a:defRPr>
+            </a:lvl1pPr>
+            <a:lvl2pPr marL="742950" indent="-285750" defTabSz="4389438" eaLnBrk="0" hangingPunct="0">
+              <a:defRPr sz="2200">
+                <a:solidFill>
+                  <a:schemeClr val="tx1"/>
+                </a:solidFill>
+                <a:latin typeface="Arial" charset="0"/>
+              </a:defRPr>
+            </a:lvl2pPr>
+            <a:lvl3pPr marL="1143000" indent="-228600" defTabSz="4389438" eaLnBrk="0" hangingPunct="0">
+              <a:defRPr sz="2200">
+                <a:solidFill>
+                  <a:schemeClr val="tx1"/>
+                </a:solidFill>
+                <a:latin typeface="Arial" charset="0"/>
+              </a:defRPr>
+            </a:lvl3pPr>
+            <a:lvl4pPr marL="1600200" indent="-228600" defTabSz="4389438" eaLnBrk="0" hangingPunct="0">
+              <a:defRPr sz="2200">
+                <a:solidFill>
+                  <a:schemeClr val="tx1"/>
+                </a:solidFill>
+                <a:latin typeface="Arial" charset="0"/>
+              </a:defRPr>
+            </a:lvl4pPr>
+            <a:lvl5pPr marL="2057400" indent="-228600" defTabSz="4389438" eaLnBrk="0" hangingPunct="0">
+              <a:defRPr sz="2200">
+                <a:solidFill>
+                  <a:schemeClr val="tx1"/>
+                </a:solidFill>
+                <a:latin typeface="Arial" charset="0"/>
+              </a:defRPr>
+            </a:lvl5pPr>
+            <a:lvl6pPr marL="2514600" indent="-228600" defTabSz="4389438" eaLnBrk="0" fontAlgn="base" hangingPunct="0">
+              <a:spcBef>
+                <a:spcPct val="0"/>
+              </a:spcBef>
+              <a:spcAft>
+                <a:spcPct val="0"/>
+              </a:spcAft>
+              <a:defRPr sz="2200">
+                <a:solidFill>
+                  <a:schemeClr val="tx1"/>
+                </a:solidFill>
+                <a:latin typeface="Arial" charset="0"/>
+              </a:defRPr>
+            </a:lvl6pPr>
+            <a:lvl7pPr marL="2971800" indent="-228600" defTabSz="4389438" eaLnBrk="0" fontAlgn="base" hangingPunct="0">
+              <a:spcBef>
+                <a:spcPct val="0"/>
+              </a:spcBef>
+              <a:spcAft>
+                <a:spcPct val="0"/>
+              </a:spcAft>
+              <a:defRPr sz="2200">
+                <a:solidFill>
+                  <a:schemeClr val="tx1"/>
+                </a:solidFill>
+                <a:latin typeface="Arial" charset="0"/>
+              </a:defRPr>
+            </a:lvl7pPr>
+            <a:lvl8pPr marL="3429000" indent="-228600" defTabSz="4389438" eaLnBrk="0" fontAlgn="base" hangingPunct="0">
+              <a:spcBef>
+                <a:spcPct val="0"/>
+              </a:spcBef>
+              <a:spcAft>
+                <a:spcPct val="0"/>
+              </a:spcAft>
+              <a:defRPr sz="2200">
+                <a:solidFill>
+                  <a:schemeClr val="tx1"/>
+                </a:solidFill>
+                <a:latin typeface="Arial" charset="0"/>
+              </a:defRPr>
+            </a:lvl8pPr>
+            <a:lvl9pPr marL="3886200" indent="-228600" defTabSz="4389438" eaLnBrk="0" fontAlgn="base" hangingPunct="0">
+              <a:spcBef>
+                <a:spcPct val="0"/>
+              </a:spcBef>
+              <a:spcAft>
+                <a:spcPct val="0"/>
+              </a:spcAft>
+              <a:defRPr sz="2200">
+                <a:solidFill>
+                  <a:schemeClr val="tx1"/>
+                </a:solidFill>
+                <a:latin typeface="Arial" charset="0"/>
+              </a:defRPr>
+            </a:lvl9pPr>
+          </a:lstStyle>
+          <a:p>
+            <a:pPr eaLnBrk="1" hangingPunct="1"/>
+            <a:r>
+              <a:rPr lang="en-US" sz="2400" b="1" dirty="0" smtClean="0">
+                <a:latin typeface="Calibri" pitchFamily="34" charset="0"/>
+              </a:rPr>
+              <a:t>Figure 3b.</a:t>
+            </a:r>
+            <a:r>
+              <a:rPr lang="en-US" sz="2400" dirty="0" smtClean="0">
+                <a:latin typeface="Calibri" pitchFamily="34" charset="0"/>
+              </a:rPr>
+              <a:t> MSE vs Epochs</a:t>
+            </a:r>
+          </a:p>
+          <a:p>
+            <a:pPr eaLnBrk="1" hangingPunct="1"/>
+            <a:r>
+              <a:rPr lang="en-US" sz="1800" dirty="0" smtClean="0">
+                <a:latin typeface="Calibri" pitchFamily="34" charset="0"/>
+              </a:rPr>
+              <a:t>Relationship between MSE and number of epochs in RNN model for HP</a:t>
+            </a:r>
           </a:p>
         </p:txBody>
       </p:sp>

--- a/project/ML Poster.pptx
+++ b/project/ML Poster.pptx
@@ -3159,7 +3159,7 @@
         </p:nvSpPr>
         <p:spPr>
           <a:xfrm>
-            <a:off x="1280160" y="28669725"/>
+            <a:off x="1280160" y="28971654"/>
             <a:ext cx="2498352" cy="746346"/>
           </a:xfrm>
           <a:prstGeom prst="rect">
@@ -4081,7 +4081,7 @@
         </p:nvSpPr>
         <p:spPr>
           <a:xfrm>
-            <a:off x="1280160" y="10972800"/>
+            <a:off x="1280160" y="10820400"/>
             <a:ext cx="9692640" cy="685800"/>
           </a:xfrm>
           <a:prstGeom prst="rect">
@@ -4147,8 +4147,8 @@
         </p:nvSpPr>
         <p:spPr bwMode="auto">
           <a:xfrm>
-            <a:off x="21994999" y="23834037"/>
-            <a:ext cx="9692640" cy="3293163"/>
+            <a:off x="22021800" y="22265627"/>
+            <a:ext cx="9692640" cy="6309373"/>
           </a:xfrm>
           <a:prstGeom prst="rect">
             <a:avLst/>
@@ -4270,10 +4270,22 @@
           <a:p>
             <a:pPr eaLnBrk="1" hangingPunct="1"/>
             <a:r>
+              <a:rPr lang="en-US" sz="2800" dirty="0" smtClean="0">
+                <a:latin typeface="Calibri" pitchFamily="34" charset="0"/>
+              </a:rPr>
+              <a:t>The team was able to flesh out </a:t>
+            </a:r>
+            <a:r>
               <a:rPr lang="en-US" sz="2800" dirty="0">
                 <a:latin typeface="Calibri" pitchFamily="34" charset="0"/>
               </a:rPr>
-              <a:t>Click here to insert your Discussion text. Type it in or copy and paste from your Word document or other source.</a:t>
+              <a:t>a solid </a:t>
+            </a:r>
+            <a:r>
+              <a:rPr lang="en-US" sz="2800" dirty="0" smtClean="0">
+                <a:latin typeface="Calibri" pitchFamily="34" charset="0"/>
+              </a:rPr>
+              <a:t>model, with low error rates. This model can easily be built upon to include more data sources, such as twitter and SEC data. </a:t>
             </a:r>
           </a:p>
           <a:p>
@@ -4285,26 +4297,98 @@
           <a:p>
             <a:pPr eaLnBrk="1" hangingPunct="1"/>
             <a:r>
+              <a:rPr lang="en-US" sz="2800" dirty="0" smtClean="0">
+                <a:latin typeface="Calibri" pitchFamily="34" charset="0"/>
+              </a:rPr>
+              <a:t>One of </a:t>
+            </a:r>
+            <a:r>
               <a:rPr lang="en-US" sz="2800" dirty="0">
                 <a:latin typeface="Calibri" pitchFamily="34" charset="0"/>
               </a:rPr>
-              <a:t>This text box will automatically re-size to your text. To turn off that feature, right click inside this box and go to </a:t>
-            </a:r>
-            <a:r>
-              <a:rPr lang="en-US" sz="2800" b="1" dirty="0">
-                <a:latin typeface="Calibri" pitchFamily="34" charset="0"/>
-              </a:rPr>
-              <a:t>Format Shape, Text Box, Autofit</a:t>
+              <a:t>the biggest challenges </a:t>
+            </a:r>
+            <a:r>
+              <a:rPr lang="en-US" sz="2800" dirty="0" smtClean="0">
+                <a:latin typeface="Calibri" pitchFamily="34" charset="0"/>
+              </a:rPr>
+              <a:t>was getting </a:t>
             </a:r>
             <a:r>
               <a:rPr lang="en-US" sz="2800" dirty="0">
                 <a:latin typeface="Calibri" pitchFamily="34" charset="0"/>
               </a:rPr>
-              <a:t>, and select the “Do Not Autofit” radio button.</a:t>
-            </a:r>
-          </a:p>
-          <a:p>
-            <a:pPr eaLnBrk="1" hangingPunct="1"/>
+              <a:t>enough clean data from a variety of sources. Despite our best efforts, there were often significant gaps in dates between published articles</a:t>
+            </a:r>
+            <a:r>
+              <a:rPr lang="en-US" sz="2800" dirty="0" smtClean="0">
+                <a:latin typeface="Calibri" pitchFamily="34" charset="0"/>
+              </a:rPr>
+              <a:t>.</a:t>
+            </a:r>
+          </a:p>
+          <a:p>
+            <a:pPr eaLnBrk="1" hangingPunct="1"/>
+            <a:endParaRPr lang="en-US" sz="2800" dirty="0">
+              <a:latin typeface="Calibri" pitchFamily="34" charset="0"/>
+            </a:endParaRPr>
+          </a:p>
+          <a:p>
+            <a:pPr eaLnBrk="1" hangingPunct="1"/>
+            <a:r>
+              <a:rPr lang="en-US" sz="2800" dirty="0" smtClean="0">
+                <a:latin typeface="Calibri" pitchFamily="34" charset="0"/>
+              </a:rPr>
+              <a:t>RNN’s </a:t>
+            </a:r>
+            <a:r>
+              <a:rPr lang="en-US" sz="2800" dirty="0">
+                <a:latin typeface="Calibri" pitchFamily="34" charset="0"/>
+              </a:rPr>
+              <a:t>are potentially a great tool for stock predictions, but they </a:t>
+            </a:r>
+            <a:r>
+              <a:rPr lang="en-US" sz="2800" dirty="0" smtClean="0">
+                <a:latin typeface="Calibri" pitchFamily="34" charset="0"/>
+              </a:rPr>
+              <a:t>require a large amount of </a:t>
+            </a:r>
+            <a:r>
+              <a:rPr lang="en-US" sz="2800" dirty="0">
+                <a:latin typeface="Calibri" pitchFamily="34" charset="0"/>
+              </a:rPr>
+              <a:t>data </a:t>
+            </a:r>
+            <a:r>
+              <a:rPr lang="en-US" sz="2800" dirty="0" smtClean="0">
+                <a:latin typeface="Calibri" pitchFamily="34" charset="0"/>
+              </a:rPr>
+              <a:t>to achieve maximum potential. In a low data situation, a generative model is one of the best choices. However</a:t>
+            </a:r>
+            <a:r>
+              <a:rPr lang="en-US" sz="2800" dirty="0">
+                <a:latin typeface="Calibri" pitchFamily="34" charset="0"/>
+              </a:rPr>
+              <a:t>, as more data is collected and the gaps are filled, the RNN </a:t>
+            </a:r>
+            <a:r>
+              <a:rPr lang="en-US" sz="2800" dirty="0" smtClean="0">
+                <a:latin typeface="Calibri" pitchFamily="34" charset="0"/>
+              </a:rPr>
+              <a:t>will continue </a:t>
+            </a:r>
+            <a:r>
+              <a:rPr lang="en-US" sz="2800" dirty="0">
+                <a:latin typeface="Calibri" pitchFamily="34" charset="0"/>
+              </a:rPr>
+              <a:t>to improve and eventually outperform a generative model</a:t>
+            </a:r>
+            <a:r>
+              <a:rPr lang="en-US" sz="2800" dirty="0" smtClean="0">
+                <a:latin typeface="Calibri" pitchFamily="34" charset="0"/>
+              </a:rPr>
+              <a:t>. </a:t>
+            </a:r>
             <a:endParaRPr lang="en-US" sz="2800" dirty="0">
               <a:latin typeface="Calibri" pitchFamily="34" charset="0"/>
             </a:endParaRPr>
@@ -4319,7 +4403,7 @@
         </p:nvSpPr>
         <p:spPr>
           <a:xfrm>
-            <a:off x="21994999" y="23148237"/>
+            <a:off x="22021800" y="21579827"/>
             <a:ext cx="9692640" cy="685800"/>
           </a:xfrm>
           <a:prstGeom prst="rect">
@@ -4362,7 +4446,7 @@
                   </a:schemeClr>
                 </a:solidFill>
               </a:rPr>
-              <a:t>Conclusions</a:t>
+              <a:t>Conclusions and Discussion</a:t>
             </a:r>
             <a:endParaRPr lang="en-US" sz="4400" b="1" dirty="0">
               <a:solidFill>
@@ -4386,7 +4470,7 @@
         <p:spPr bwMode="auto">
           <a:xfrm>
             <a:off x="22019558" y="5486400"/>
-            <a:ext cx="9692640" cy="16219778"/>
+            <a:ext cx="9692640" cy="15788891"/>
           </a:xfrm>
           <a:prstGeom prst="rect">
             <a:avLst/>
@@ -4511,12 +4595,24 @@
               <a:rPr lang="en-US" sz="2800" dirty="0">
                 <a:latin typeface="Calibri" pitchFamily="34" charset="0"/>
               </a:rPr>
-              <a:t>The RNN model, a NN model that adapts to and “remembers” previous data, was the main model to test our hypothesis. This model used current features, such as raw text data, </a:t>
+              <a:t>The RNN model, a NN model that adapts to and “remembers” previous data, </a:t>
             </a:r>
             <a:r>
               <a:rPr lang="en-US" sz="2800" dirty="0" smtClean="0">
                 <a:latin typeface="Calibri" pitchFamily="34" charset="0"/>
               </a:rPr>
+              <a:t>used </a:t>
+            </a:r>
+            <a:r>
+              <a:rPr lang="en-US" sz="2800" dirty="0">
+                <a:latin typeface="Calibri" pitchFamily="34" charset="0"/>
+              </a:rPr>
+              <a:t>current features, such as raw text data, </a:t>
+            </a:r>
+            <a:r>
+              <a:rPr lang="en-US" sz="2800" dirty="0" smtClean="0">
+                <a:latin typeface="Calibri" pitchFamily="34" charset="0"/>
+              </a:rPr>
               <a:t>25 classes </a:t>
             </a:r>
             <a:r>
@@ -4525,12 +4621,21 @@
               </a:rPr>
               <a:t>generated by topic modeling, and google trends to ultimately predict the closing stock price.  </a:t>
             </a:r>
+          </a:p>
+          <a:p>
+            <a:pPr eaLnBrk="1" hangingPunct="1"/>
             <a:endParaRPr lang="en-US" sz="2800" dirty="0" smtClean="0">
               <a:latin typeface="Calibri" pitchFamily="34" charset="0"/>
             </a:endParaRPr>
           </a:p>
           <a:p>
             <a:pPr eaLnBrk="1" hangingPunct="1"/>
+            <a:endParaRPr lang="en-US" sz="2800" dirty="0">
+              <a:latin typeface="Calibri" pitchFamily="34" charset="0"/>
+            </a:endParaRPr>
+          </a:p>
+          <a:p>
+            <a:pPr eaLnBrk="1" hangingPunct="1"/>
             <a:endParaRPr lang="en-US" sz="2800" dirty="0" smtClean="0">
               <a:latin typeface="Calibri" pitchFamily="34" charset="0"/>
             </a:endParaRPr>
@@ -4645,12 +4750,6 @@
           </a:p>
           <a:p>
             <a:pPr eaLnBrk="1" hangingPunct="1"/>
-            <a:endParaRPr lang="en-US" sz="2800" dirty="0">
-              <a:latin typeface="Calibri" pitchFamily="34" charset="0"/>
-            </a:endParaRPr>
-          </a:p>
-          <a:p>
-            <a:pPr eaLnBrk="1" hangingPunct="1"/>
             <a:endParaRPr lang="en-US" sz="2800" dirty="0" smtClean="0">
               <a:latin typeface="Calibri" pitchFamily="34" charset="0"/>
             </a:endParaRPr>
@@ -4658,12 +4757,6 @@
           <a:p>
             <a:pPr eaLnBrk="1" hangingPunct="1"/>
             <a:endParaRPr lang="en-US" sz="2800" dirty="0">
-              <a:latin typeface="Calibri" pitchFamily="34" charset="0"/>
-            </a:endParaRPr>
-          </a:p>
-          <a:p>
-            <a:pPr eaLnBrk="1" hangingPunct="1"/>
-            <a:endParaRPr lang="en-US" sz="2800" dirty="0" smtClean="0">
               <a:latin typeface="Calibri" pitchFamily="34" charset="0"/>
             </a:endParaRPr>
           </a:p>
@@ -4767,7 +4860,7 @@
         </p:nvSpPr>
         <p:spPr bwMode="auto">
           <a:xfrm>
-            <a:off x="1280160" y="11658602"/>
+            <a:off x="1280160" y="11506202"/>
             <a:ext cx="9692640" cy="6740260"/>
           </a:xfrm>
           <a:prstGeom prst="rect">
@@ -5150,7 +5243,7 @@
         </p:nvSpPr>
         <p:spPr bwMode="auto">
           <a:xfrm>
-            <a:off x="1263537" y="19659600"/>
+            <a:off x="1263537" y="19192783"/>
             <a:ext cx="9692640" cy="8772617"/>
           </a:xfrm>
           <a:prstGeom prst="rect">
@@ -5577,7 +5670,7 @@
         </p:nvSpPr>
         <p:spPr>
           <a:xfrm>
-            <a:off x="1263537" y="18973800"/>
+            <a:off x="1263537" y="18506983"/>
             <a:ext cx="9692640" cy="685800"/>
           </a:xfrm>
           <a:prstGeom prst="rect">
@@ -7023,8 +7116,8 @@
         </p:nvSpPr>
         <p:spPr>
           <a:xfrm>
-            <a:off x="27889200" y="31735693"/>
-            <a:ext cx="5029200" cy="954107"/>
+            <a:off x="26865878" y="31461681"/>
+            <a:ext cx="5558589" cy="1200329"/>
           </a:xfrm>
           <a:prstGeom prst="rect">
             <a:avLst/>
@@ -7038,27 +7131,27 @@
           <a:lstStyle/>
           <a:p>
             <a:r>
-              <a:rPr lang="en-US" sz="1400" dirty="0" smtClean="0"/>
+              <a:rPr lang="en-US" sz="1800" dirty="0" smtClean="0"/>
               <a:t>Graphs generated from TensorFlow and </a:t>
             </a:r>
             <a:r>
-              <a:rPr lang="en-US" sz="1400" dirty="0"/>
+              <a:rPr lang="en-US" sz="1800" dirty="0"/>
               <a:t>J</a:t>
             </a:r>
             <a:r>
-              <a:rPr lang="en-US" sz="1400" dirty="0" smtClean="0"/>
+              <a:rPr lang="en-US" sz="1800" dirty="0" smtClean="0"/>
               <a:t>uptyer Notebook models created by this team</a:t>
             </a:r>
           </a:p>
           <a:p>
-            <a:endParaRPr lang="en-US" sz="1400" dirty="0"/>
-          </a:p>
-          <a:p>
-            <a:r>
-              <a:rPr lang="en-US" sz="1400" dirty="0" smtClean="0"/>
+            <a:endParaRPr lang="en-US" sz="1800" dirty="0"/>
+          </a:p>
+          <a:p>
+            <a:r>
+              <a:rPr lang="en-US" sz="1800" dirty="0" smtClean="0"/>
               <a:t>* Logistic regression model data not currently available</a:t>
             </a:r>
-            <a:endParaRPr lang="en-US" sz="1400" dirty="0"/>
+            <a:endParaRPr lang="en-US" sz="1800" dirty="0"/>
           </a:p>
         </p:txBody>
       </p:sp>
@@ -8741,7 +8834,7 @@
         </p:blipFill>
         <p:spPr>
           <a:xfrm>
-            <a:off x="22196859" y="8001000"/>
+            <a:off x="22196859" y="7412987"/>
             <a:ext cx="5006541" cy="3754906"/>
           </a:xfrm>
           <a:prstGeom prst="rect">
@@ -8759,7 +8852,7 @@
         </p:nvSpPr>
         <p:spPr bwMode="auto">
           <a:xfrm>
-            <a:off x="22702236" y="11763445"/>
+            <a:off x="22702236" y="11175432"/>
             <a:ext cx="5872764" cy="715568"/>
           </a:xfrm>
           <a:prstGeom prst="rect">
@@ -8935,7 +9028,7 @@
         </p:nvSpPr>
         <p:spPr>
           <a:xfrm>
-            <a:off x="23926800" y="8080011"/>
+            <a:off x="23926800" y="7491998"/>
             <a:ext cx="2133600" cy="338554"/>
           </a:xfrm>
           <a:prstGeom prst="rect">
@@ -8986,7 +9079,7 @@
         </p:blipFill>
         <p:spPr>
           <a:xfrm>
-            <a:off x="22196858" y="12518966"/>
+            <a:off x="22196858" y="11930953"/>
             <a:ext cx="5120639" cy="3840480"/>
           </a:xfrm>
           <a:prstGeom prst="rect">
@@ -9004,7 +9097,7 @@
         </p:nvSpPr>
         <p:spPr bwMode="auto">
           <a:xfrm>
-            <a:off x="22702236" y="16359446"/>
+            <a:off x="22702236" y="15771433"/>
             <a:ext cx="5872764" cy="992567"/>
           </a:xfrm>
           <a:prstGeom prst="rect">

--- a/project/ML Poster.pptx
+++ b/project/ML Poster.pptx
@@ -3648,13 +3648,13 @@
               <a:rPr lang="en-US" sz="2800" b="1" dirty="0" smtClean="0">
                 <a:latin typeface="Calibri" pitchFamily="34" charset="0"/>
               </a:rPr>
-              <a:t>effective predicto</a:t>
+              <a:t>effective predictor</a:t>
             </a:r>
             <a:r>
               <a:rPr lang="en-US" sz="2800" dirty="0" smtClean="0">
                 <a:latin typeface="Calibri" pitchFamily="34" charset="0"/>
               </a:rPr>
-              <a:t>r of </a:t>
+              <a:t> of </a:t>
             </a:r>
             <a:r>
               <a:rPr lang="en-US" sz="2800" b="1" dirty="0" smtClean="0">
@@ -3918,7 +3918,7 @@
               <a:rPr lang="en-US" sz="2800" dirty="0" smtClean="0">
                 <a:latin typeface="Calibri" pitchFamily="34" charset="0"/>
               </a:rPr>
-              <a:t>Topic modelling is commonly used in Natural Language Processing (NLP) to reduce a large number of sparse features into dense and </a:t>
+              <a:t>Topic modeling is commonly used in Natural Language Processing (NLP) to reduce a large number of sparse features into dense and </a:t>
             </a:r>
             <a:r>
               <a:rPr lang="en-US" sz="2800" dirty="0">
@@ -4285,7 +4285,7 @@
               <a:rPr lang="en-US" sz="2800" dirty="0" smtClean="0">
                 <a:latin typeface="Calibri" pitchFamily="34" charset="0"/>
               </a:rPr>
-              <a:t>model, with low error rates. This model can easily be built upon to include more data sources, such as twitter and SEC data. </a:t>
+              <a:t>model, with low error rates. This model can easily be built upon to include more data sources, such as twitter and annual legal data. </a:t>
             </a:r>
           </a:p>
           <a:p>
@@ -4318,7 +4318,19 @@
               <a:rPr lang="en-US" sz="2800" dirty="0">
                 <a:latin typeface="Calibri" pitchFamily="34" charset="0"/>
               </a:rPr>
-              <a:t>enough clean data from a variety of sources. Despite our best efforts, there were often significant gaps in dates between published articles</a:t>
+              <a:t>enough clean data from a variety of sources. Despite our </a:t>
+            </a:r>
+            <a:r>
+              <a:rPr lang="en-US" sz="2800" dirty="0" smtClean="0">
+                <a:latin typeface="Calibri" pitchFamily="34" charset="0"/>
+              </a:rPr>
+              <a:t>efforts</a:t>
+            </a:r>
+            <a:r>
+              <a:rPr lang="en-US" sz="2800" dirty="0">
+                <a:latin typeface="Calibri" pitchFamily="34" charset="0"/>
+              </a:rPr>
+              <a:t>, there were often significant gaps in dates between published articles</a:t>
             </a:r>
             <a:r>
               <a:rPr lang="en-US" sz="2800" dirty="0" smtClean="0">
@@ -4619,7 +4631,19 @@
               <a:rPr lang="en-US" sz="2800" dirty="0">
                 <a:latin typeface="Calibri" pitchFamily="34" charset="0"/>
               </a:rPr>
-              <a:t>generated by topic modeling, and google trends to ultimately predict the closing stock price.  </a:t>
+              <a:t>generated by topic modeling, and </a:t>
+            </a:r>
+            <a:r>
+              <a:rPr lang="en-US" sz="2800" dirty="0" smtClean="0">
+                <a:latin typeface="Calibri" pitchFamily="34" charset="0"/>
+              </a:rPr>
+              <a:t>Google </a:t>
+            </a:r>
+            <a:r>
+              <a:rPr lang="en-US" sz="2800" dirty="0">
+                <a:latin typeface="Calibri" pitchFamily="34" charset="0"/>
+              </a:rPr>
+              <a:t>trends to ultimately predict the closing stock price.  </a:t>
             </a:r>
           </a:p>
           <a:p>
@@ -5561,13 +5585,13 @@
               <a:rPr lang="en-US" sz="2800" dirty="0">
                 <a:latin typeface="Calibri" pitchFamily="34" charset="0"/>
               </a:rPr>
-              <a:t>to establish a relationship between stock price and google </a:t>
+              <a:t>to establish a relationship between stock price and </a:t>
             </a:r>
             <a:r>
               <a:rPr lang="en-US" sz="2800" dirty="0" smtClean="0">
                 <a:latin typeface="Calibri" pitchFamily="34" charset="0"/>
               </a:rPr>
-              <a:t>trends</a:t>
+              <a:t>Google trends</a:t>
             </a:r>
             <a:endParaRPr lang="en-US" sz="2800" dirty="0">
               <a:latin typeface="Calibri" pitchFamily="34" charset="0"/>
@@ -5966,7 +5990,7 @@
               <a:rPr lang="en-US" sz="1800" dirty="0" smtClean="0">
                 <a:latin typeface="Calibri" pitchFamily="34" charset="0"/>
               </a:rPr>
-              <a:t>Regression results using Google trends data for company Seagate</a:t>
+              <a:t>Regression results using Google trends data for company HP</a:t>
             </a:r>
             <a:endParaRPr lang="en-US" sz="1800" dirty="0">
               <a:latin typeface="Calibri" pitchFamily="34" charset="0"/>
@@ -5983,7 +6007,7 @@
           <p:nvPr>
             <p:extLst>
               <p:ext uri="{D42A27DB-BD31-4B8C-83A1-F6EECF244321}">
-                <p14:modId xmlns:p14="http://schemas.microsoft.com/office/powerpoint/2010/main" val="507124895"/>
+                <p14:modId xmlns:p14="http://schemas.microsoft.com/office/powerpoint/2010/main" val="1539096603"/>
               </p:ext>
             </p:extLst>
           </p:nvPr>
@@ -7164,7 +7188,7 @@
           <p:nvPr>
             <p:extLst>
               <p:ext uri="{D42A27DB-BD31-4B8C-83A1-F6EECF244321}">
-                <p14:modId xmlns:p14="http://schemas.microsoft.com/office/powerpoint/2010/main" val="1056915556"/>
+                <p14:modId xmlns:p14="http://schemas.microsoft.com/office/powerpoint/2010/main" val="416864777"/>
               </p:ext>
             </p:extLst>
           </p:nvPr>
@@ -7361,10 +7385,6 @@
                     <a:lstStyle/>
                     <a:p>
                       <a:pPr algn="r"/>
-                      <a:r>
-                        <a:rPr lang="en-US" sz="2400" dirty="0" smtClean="0"/>
-                        <a:t>Words</a:t>
-                      </a:r>
                       <a:endParaRPr lang="en-US" sz="2400" dirty="0"/>
                     </a:p>
                   </a:txBody>
@@ -7456,7 +7476,7 @@
                     <a:bodyPr/>
                     <a:lstStyle/>
                     <a:p>
-                      <a:pPr algn="r"/>
+                      <a:pPr algn="l"/>
                       <a:r>
                         <a:rPr lang="en-US" sz="2100" dirty="0" smtClean="0"/>
                         <a:t>Devices     </a:t>
@@ -7504,7 +7524,7 @@
                     <a:bodyPr/>
                     <a:lstStyle/>
                     <a:p>
-                      <a:pPr algn="r"/>
+                      <a:pPr algn="l"/>
                       <a:r>
                         <a:rPr lang="en-US" sz="2000" dirty="0" smtClean="0"/>
                         <a:t>Share Buyback</a:t>
@@ -7546,7 +7566,7 @@
                     <a:bodyPr/>
                     <a:lstStyle/>
                     <a:p>
-                      <a:pPr algn="r"/>
+                      <a:pPr algn="l"/>
                       <a:r>
                         <a:rPr lang="en-US" sz="2100" dirty="0" smtClean="0"/>
                         <a:t>Strategic</a:t>
@@ -7588,7 +7608,7 @@
                     <a:bodyPr/>
                     <a:lstStyle/>
                     <a:p>
-                      <a:pPr algn="r"/>
+                      <a:pPr algn="l"/>
                       <a:r>
                         <a:rPr lang="en-US" sz="2100" dirty="0" smtClean="0"/>
                         <a:t>Win</a:t>
@@ -7674,7 +7694,7 @@
                     <a:bodyPr/>
                     <a:lstStyle/>
                     <a:p>
-                      <a:pPr algn="r"/>
+                      <a:pPr algn="l"/>
                       <a:r>
                         <a:rPr lang="en-US" sz="2100" dirty="0" smtClean="0"/>
                         <a:t>Price</a:t>
@@ -7716,7 +7736,7 @@
                     <a:bodyPr/>
                     <a:lstStyle/>
                     <a:p>
-                      <a:pPr algn="r"/>
+                      <a:pPr algn="l"/>
                       <a:r>
                         <a:rPr lang="en-US" sz="2100" dirty="0" smtClean="0"/>
                         <a:t>Provided</a:t>
@@ -7752,7 +7772,7 @@
                     <a:bodyPr/>
                     <a:lstStyle/>
                     <a:p>
-                      <a:pPr algn="r"/>
+                      <a:pPr algn="l"/>
                       <a:r>
                         <a:rPr lang="en-US" sz="2100" dirty="0" smtClean="0"/>
                         <a:t>Buy right</a:t>
@@ -7788,7 +7808,7 @@
                     <a:bodyPr/>
                     <a:lstStyle/>
                     <a:p>
-                      <a:pPr algn="r"/>
+                      <a:pPr algn="l"/>
                       <a:r>
                         <a:rPr lang="en-US" sz="2100" dirty="0" smtClean="0"/>
                         <a:t>Revenues</a:t>
@@ -7868,7 +7888,7 @@
                     <a:bodyPr/>
                     <a:lstStyle/>
                     <a:p>
-                      <a:pPr algn="r"/>
+                      <a:pPr algn="l"/>
                       <a:r>
                         <a:rPr lang="en-US" sz="2100" dirty="0" smtClean="0"/>
                         <a:t>Company</a:t>
@@ -7910,7 +7930,7 @@
                     <a:bodyPr/>
                     <a:lstStyle/>
                     <a:p>
-                      <a:pPr algn="r"/>
+                      <a:pPr algn="l"/>
                       <a:r>
                         <a:rPr lang="en-US" sz="2100" dirty="0" smtClean="0"/>
                         <a:t>Stock</a:t>
@@ -7946,7 +7966,7 @@
                     <a:bodyPr/>
                     <a:lstStyle/>
                     <a:p>
-                      <a:pPr algn="r"/>
+                      <a:pPr algn="l"/>
                       <a:r>
                         <a:rPr lang="en-US" sz="2100" dirty="0" smtClean="0"/>
                         <a:t>Market</a:t>
@@ -7982,7 +8002,7 @@
                     <a:bodyPr/>
                     <a:lstStyle/>
                     <a:p>
-                      <a:pPr algn="r"/>
+                      <a:pPr algn="l"/>
                       <a:r>
                         <a:rPr lang="en-US" sz="2100" dirty="0" smtClean="0"/>
                         <a:t>NYSE</a:t>
@@ -8062,7 +8082,7 @@
                     <a:bodyPr/>
                     <a:lstStyle/>
                     <a:p>
-                      <a:pPr algn="r"/>
+                      <a:pPr algn="l"/>
                       <a:r>
                         <a:rPr lang="en-US" sz="2100" dirty="0" smtClean="0"/>
                         <a:t>Packard</a:t>
@@ -8104,7 +8124,7 @@
                     <a:bodyPr/>
                     <a:lstStyle/>
                     <a:p>
-                      <a:pPr algn="r"/>
+                      <a:pPr algn="l"/>
                       <a:r>
                         <a:rPr lang="en-US" sz="2100" dirty="0" smtClean="0"/>
                         <a:t>Buying</a:t>
@@ -8140,7 +8160,7 @@
                     <a:bodyPr/>
                     <a:lstStyle/>
                     <a:p>
-                      <a:pPr algn="r"/>
+                      <a:pPr algn="l"/>
                       <a:r>
                         <a:rPr lang="en-US" sz="2100" dirty="0" smtClean="0"/>
                         <a:t>Company</a:t>
@@ -8176,7 +8196,7 @@
                     <a:bodyPr/>
                     <a:lstStyle/>
                     <a:p>
-                      <a:pPr algn="r"/>
+                      <a:pPr algn="l"/>
                       <a:r>
                         <a:rPr lang="en-US" sz="2100" dirty="0" smtClean="0"/>
                         <a:t>IBM</a:t>
@@ -8256,7 +8276,7 @@
                     <a:bodyPr/>
                     <a:lstStyle/>
                     <a:p>
-                      <a:pPr algn="r"/>
+                      <a:pPr algn="l"/>
                       <a:r>
                         <a:rPr lang="en-US" sz="2200" dirty="0" smtClean="0"/>
                         <a:t>Revenue</a:t>
@@ -8298,7 +8318,7 @@
                     <a:bodyPr/>
                     <a:lstStyle/>
                     <a:p>
-                      <a:pPr algn="r"/>
+                      <a:pPr algn="l"/>
                       <a:r>
                         <a:rPr lang="en-US" sz="2200" dirty="0" smtClean="0"/>
                         <a:t>Year</a:t>
@@ -8334,7 +8354,7 @@
                     <a:bodyPr/>
                     <a:lstStyle/>
                     <a:p>
-                      <a:pPr algn="r"/>
+                      <a:pPr algn="l"/>
                       <a:r>
                         <a:rPr lang="en-US" sz="2200" dirty="0" smtClean="0"/>
                         <a:t>New</a:t>
@@ -8370,7 +8390,7 @@
                     <a:bodyPr/>
                     <a:lstStyle/>
                     <a:p>
-                      <a:pPr algn="r"/>
+                      <a:pPr algn="l"/>
                       <a:r>
                         <a:rPr lang="en-US" sz="2200" dirty="0" smtClean="0"/>
                         <a:t>Development</a:t>
@@ -8454,7 +8474,7 @@
                     <a:bodyPr/>
                     <a:lstStyle/>
                     <a:p>
-                      <a:pPr algn="r"/>
+                      <a:pPr algn="l"/>
                       <a:r>
                         <a:rPr lang="en-US" sz="2200" dirty="0" smtClean="0"/>
                         <a:t>IBM</a:t>
@@ -8496,7 +8516,7 @@
                     <a:bodyPr/>
                     <a:lstStyle/>
                     <a:p>
-                      <a:pPr algn="r"/>
+                      <a:pPr algn="l"/>
                       <a:r>
                         <a:rPr lang="en-US" sz="2200" dirty="0" smtClean="0"/>
                         <a:t>Intel</a:t>
@@ -8532,7 +8552,7 @@
                     <a:bodyPr/>
                     <a:lstStyle/>
                     <a:p>
-                      <a:pPr algn="r"/>
+                      <a:pPr algn="l"/>
                       <a:r>
                         <a:rPr lang="en-US" sz="2200" dirty="0" smtClean="0"/>
                         <a:t>Data</a:t>
@@ -8568,7 +8588,7 @@
                     <a:bodyPr/>
                     <a:lstStyle/>
                     <a:p>
-                      <a:pPr algn="r"/>
+                      <a:pPr algn="l"/>
                       <a:r>
                         <a:rPr lang="en-US" sz="2200" dirty="0" smtClean="0"/>
                         <a:t>Year</a:t>
@@ -8834,7 +8854,7 @@
         </p:blipFill>
         <p:spPr>
           <a:xfrm>
-            <a:off x="22196859" y="7412987"/>
+            <a:off x="24025659" y="7412987"/>
             <a:ext cx="5006541" cy="3754906"/>
           </a:xfrm>
           <a:prstGeom prst="rect">
@@ -8852,7 +8872,7 @@
         </p:nvSpPr>
         <p:spPr bwMode="auto">
           <a:xfrm>
-            <a:off x="22702236" y="11175432"/>
+            <a:off x="24531036" y="11175432"/>
             <a:ext cx="5872764" cy="715568"/>
           </a:xfrm>
           <a:prstGeom prst="rect">
@@ -9028,7 +9048,7 @@
         </p:nvSpPr>
         <p:spPr>
           <a:xfrm>
-            <a:off x="23926800" y="7491998"/>
+            <a:off x="25755600" y="7491998"/>
             <a:ext cx="2133600" cy="338554"/>
           </a:xfrm>
           <a:prstGeom prst="rect">
@@ -9079,7 +9099,7 @@
         </p:blipFill>
         <p:spPr>
           <a:xfrm>
-            <a:off x="22196858" y="11930953"/>
+            <a:off x="24025658" y="11930953"/>
             <a:ext cx="5120639" cy="3840480"/>
           </a:xfrm>
           <a:prstGeom prst="rect">
@@ -9097,7 +9117,7 @@
         </p:nvSpPr>
         <p:spPr bwMode="auto">
           <a:xfrm>
-            <a:off x="22702236" y="15771433"/>
+            <a:off x="24531036" y="15771433"/>
             <a:ext cx="5872764" cy="992567"/>
           </a:xfrm>
           <a:prstGeom prst="rect">
@@ -9262,6 +9282,45 @@
               </a:rPr>
               <a:t>Relationship between MSE and number of epochs in RNN model for HP</a:t>
             </a:r>
+          </a:p>
+        </p:txBody>
+      </p:sp>
+      <p:sp>
+        <p:nvSpPr>
+          <p:cNvPr id="48" name="TextBox 47"/>
+          <p:cNvSpPr txBox="1"/>
+          <p:nvPr/>
+        </p:nvSpPr>
+        <p:spPr>
+          <a:xfrm>
+            <a:off x="16078200" y="19583400"/>
+            <a:ext cx="2895600" cy="461665"/>
+          </a:xfrm>
+          <a:prstGeom prst="rect">
+            <a:avLst/>
+          </a:prstGeom>
+          <a:noFill/>
+        </p:spPr>
+        <p:txBody>
+          <a:bodyPr wrap="square" rtlCol="0">
+            <a:spAutoFit/>
+          </a:bodyPr>
+          <a:lstStyle/>
+          <a:p>
+            <a:pPr algn="ctr"/>
+            <a:r>
+              <a:rPr lang="en-US" sz="2400" b="1" dirty="0" smtClean="0">
+                <a:solidFill>
+                  <a:schemeClr val="bg1"/>
+                </a:solidFill>
+              </a:rPr>
+              <a:t>Words</a:t>
+            </a:r>
+            <a:endParaRPr lang="en-US" sz="2400" b="1" dirty="0">
+              <a:solidFill>
+                <a:schemeClr val="bg1"/>
+              </a:solidFill>
+            </a:endParaRPr>
           </a:p>
         </p:txBody>
       </p:sp>
